--- a/VFS performance validation.pptx
+++ b/VFS performance validation.pptx
@@ -10,6 +10,13 @@
     <p:sldId id="258" r:id="rId4"/>
     <p:sldId id="259" r:id="rId5"/>
     <p:sldId id="260" r:id="rId6"/>
+    <p:sldId id="263" r:id="rId7"/>
+    <p:sldId id="262" r:id="rId8"/>
+    <p:sldId id="261" r:id="rId9"/>
+    <p:sldId id="265" r:id="rId10"/>
+    <p:sldId id="266" r:id="rId11"/>
+    <p:sldId id="267" r:id="rId12"/>
+    <p:sldId id="268" r:id="rId13"/>
   </p:sldIdLst>
   <p:sldSz cx="12192000" cy="6858000"/>
   <p:notesSz cx="6858000" cy="9144000"/>
@@ -116,10 +123,16 @@
 </p:presentation>
 </file>
 
+<file path=ppt/authors.xml><?xml version="1.0" encoding="utf-8"?>
+<p188:authorLst xmlns:a="http://schemas.openxmlformats.org/drawingml/2006/main" xmlns:r="http://schemas.openxmlformats.org/officeDocument/2006/relationships" xmlns:p188="http://schemas.microsoft.com/office/powerpoint/2018/8/main">
+  <p188:author id="{999925A7-EAAA-4B5B-604D-88C72DE594BA}" name="Ritwik Shankar" initials="RS" userId="S::ritwiks21@iitk.ac.in::e2be679c-d84c-4102-934b-c8025a445f68" providerId="AD"/>
+</p188:authorLst>
+</file>
+
 <file path=ppt/revisionInfo.xml><?xml version="1.0" encoding="utf-8"?>
 <p1510:revInfo xmlns:a="http://schemas.openxmlformats.org/drawingml/2006/main" xmlns:r="http://schemas.openxmlformats.org/officeDocument/2006/relationships" xmlns:p1510="http://schemas.microsoft.com/office/powerpoint/2015/10/main">
   <p1510:revLst>
-    <p1510:client id="{248CDB21-9E84-42A9-9BBC-6B7688573ACB}" v="18" dt="2025-03-31T20:52:55.314"/>
+    <p1510:client id="{248CDB21-9E84-42A9-9BBC-6B7688573ACB}" v="32" dt="2025-04-01T03:53:01.386"/>
   </p1510:revLst>
 </p1510:revInfo>
 </file>
@@ -128,8 +141,8 @@
 <pc:chgInfo xmlns:a="http://schemas.openxmlformats.org/drawingml/2006/main" xmlns:r="http://schemas.openxmlformats.org/officeDocument/2006/relationships" xmlns:ac="http://schemas.microsoft.com/office/drawing/2013/main/command" xmlns:pc="http://schemas.microsoft.com/office/powerpoint/2013/main/command">
   <pc:docChgLst>
     <pc:chgData name="Ritwik Shankar" userId="e2be679c-d84c-4102-934b-c8025a445f68" providerId="ADAL" clId="{248CDB21-9E84-42A9-9BBC-6B7688573ACB}"/>
-    <pc:docChg chg="undo custSel addSld delSld modSld">
-      <pc:chgData name="Ritwik Shankar" userId="e2be679c-d84c-4102-934b-c8025a445f68" providerId="ADAL" clId="{248CDB21-9E84-42A9-9BBC-6B7688573ACB}" dt="2025-03-31T20:53:45.723" v="491" actId="20577"/>
+    <pc:docChg chg="undo custSel addSld delSld modSld sldOrd">
+      <pc:chgData name="Ritwik Shankar" userId="e2be679c-d84c-4102-934b-c8025a445f68" providerId="ADAL" clId="{248CDB21-9E84-42A9-9BBC-6B7688573ACB}" dt="2025-04-01T04:21:22.035" v="936" actId="20577"/>
       <pc:docMkLst>
         <pc:docMk/>
       </pc:docMkLst>
@@ -328,9 +341,222 @@
           <pc:sldMk cId="87571295" sldId="261"/>
         </pc:sldMkLst>
       </pc:sldChg>
+      <pc:sldChg chg="addSp delSp modSp new mod">
+        <pc:chgData name="Ritwik Shankar" userId="e2be679c-d84c-4102-934b-c8025a445f68" providerId="ADAL" clId="{248CDB21-9E84-42A9-9BBC-6B7688573ACB}" dt="2025-04-01T04:21:22.035" v="936" actId="20577"/>
+        <pc:sldMkLst>
+          <pc:docMk/>
+          <pc:sldMk cId="3566142916" sldId="261"/>
+        </pc:sldMkLst>
+        <pc:spChg chg="del">
+          <ac:chgData name="Ritwik Shankar" userId="e2be679c-d84c-4102-934b-c8025a445f68" providerId="ADAL" clId="{248CDB21-9E84-42A9-9BBC-6B7688573ACB}" dt="2025-04-01T03:47:26.709" v="493" actId="478"/>
+          <ac:spMkLst>
+            <pc:docMk/>
+            <pc:sldMk cId="3566142916" sldId="261"/>
+            <ac:spMk id="2" creationId="{CDF08042-DBFE-1955-9433-DCB3313010C3}"/>
+          </ac:spMkLst>
+        </pc:spChg>
+        <pc:spChg chg="add mod">
+          <ac:chgData name="Ritwik Shankar" userId="e2be679c-d84c-4102-934b-c8025a445f68" providerId="ADAL" clId="{248CDB21-9E84-42A9-9BBC-6B7688573ACB}" dt="2025-04-01T03:47:41.348" v="500" actId="1076"/>
+          <ac:spMkLst>
+            <pc:docMk/>
+            <pc:sldMk cId="3566142916" sldId="261"/>
+            <ac:spMk id="4" creationId="{24E25E65-2D03-D5E3-465C-28E0DC3E2699}"/>
+          </ac:spMkLst>
+        </pc:spChg>
+        <pc:spChg chg="add mod">
+          <ac:chgData name="Ritwik Shankar" userId="e2be679c-d84c-4102-934b-c8025a445f68" providerId="ADAL" clId="{248CDB21-9E84-42A9-9BBC-6B7688573ACB}" dt="2025-04-01T03:48:08.352" v="519" actId="20577"/>
+          <ac:spMkLst>
+            <pc:docMk/>
+            <pc:sldMk cId="3566142916" sldId="261"/>
+            <ac:spMk id="6" creationId="{4BBE7771-794F-B58A-B7A3-0F788A9F3FCD}"/>
+          </ac:spMkLst>
+        </pc:spChg>
+        <pc:graphicFrameChg chg="add mod modGraphic">
+          <ac:chgData name="Ritwik Shankar" userId="e2be679c-d84c-4102-934b-c8025a445f68" providerId="ADAL" clId="{248CDB21-9E84-42A9-9BBC-6B7688573ACB}" dt="2025-04-01T04:21:22.035" v="936" actId="20577"/>
+          <ac:graphicFrameMkLst>
+            <pc:docMk/>
+            <pc:sldMk cId="3566142916" sldId="261"/>
+            <ac:graphicFrameMk id="3" creationId="{40344C32-67BC-0A7D-CF9E-7944E6EC74CE}"/>
+          </ac:graphicFrameMkLst>
+        </pc:graphicFrameChg>
+      </pc:sldChg>
+      <pc:sldChg chg="addSp delSp modSp new mod ord">
+        <pc:chgData name="Ritwik Shankar" userId="e2be679c-d84c-4102-934b-c8025a445f68" providerId="ADAL" clId="{248CDB21-9E84-42A9-9BBC-6B7688573ACB}" dt="2025-04-01T03:55:01.487" v="764"/>
+        <pc:sldMkLst>
+          <pc:docMk/>
+          <pc:sldMk cId="1832804816" sldId="262"/>
+        </pc:sldMkLst>
+        <pc:spChg chg="add del">
+          <ac:chgData name="Ritwik Shankar" userId="e2be679c-d84c-4102-934b-c8025a445f68" providerId="ADAL" clId="{248CDB21-9E84-42A9-9BBC-6B7688573ACB}" dt="2025-04-01T03:49:57.544" v="538" actId="478"/>
+          <ac:spMkLst>
+            <pc:docMk/>
+            <pc:sldMk cId="1832804816" sldId="262"/>
+            <ac:spMk id="3" creationId="{6920575E-56DC-ABBB-AA6E-EB9E6DB4C917}"/>
+          </ac:spMkLst>
+        </pc:spChg>
+        <pc:spChg chg="add mod">
+          <ac:chgData name="Ritwik Shankar" userId="e2be679c-d84c-4102-934b-c8025a445f68" providerId="ADAL" clId="{248CDB21-9E84-42A9-9BBC-6B7688573ACB}" dt="2025-04-01T03:51:53.920" v="550" actId="403"/>
+          <ac:spMkLst>
+            <pc:docMk/>
+            <pc:sldMk cId="1832804816" sldId="262"/>
+            <ac:spMk id="7" creationId="{7DE628C6-6C0D-29F7-C44A-D53CC143C87F}"/>
+          </ac:spMkLst>
+        </pc:spChg>
+        <pc:picChg chg="add mod">
+          <ac:chgData name="Ritwik Shankar" userId="e2be679c-d84c-4102-934b-c8025a445f68" providerId="ADAL" clId="{248CDB21-9E84-42A9-9BBC-6B7688573ACB}" dt="2025-04-01T03:51:27.768" v="543" actId="1076"/>
+          <ac:picMkLst>
+            <pc:docMk/>
+            <pc:sldMk cId="1832804816" sldId="262"/>
+            <ac:picMk id="5" creationId="{2060D830-6BB5-3E2B-0CED-2F3FB4F9CD26}"/>
+          </ac:picMkLst>
+        </pc:picChg>
+      </pc:sldChg>
+      <pc:sldChg chg="addSp modSp new mod">
+        <pc:chgData name="Ritwik Shankar" userId="e2be679c-d84c-4102-934b-c8025a445f68" providerId="ADAL" clId="{248CDB21-9E84-42A9-9BBC-6B7688573ACB}" dt="2025-04-01T03:59:49.943" v="894" actId="207"/>
+        <pc:sldMkLst>
+          <pc:docMk/>
+          <pc:sldMk cId="4210073335" sldId="263"/>
+        </pc:sldMkLst>
+        <pc:spChg chg="add">
+          <ac:chgData name="Ritwik Shankar" userId="e2be679c-d84c-4102-934b-c8025a445f68" providerId="ADAL" clId="{248CDB21-9E84-42A9-9BBC-6B7688573ACB}" dt="2025-04-01T03:52:54.093" v="552"/>
+          <ac:spMkLst>
+            <pc:docMk/>
+            <pc:sldMk cId="4210073335" sldId="263"/>
+            <ac:spMk id="2" creationId="{1F60E5C0-8C88-A0FE-2F18-DD59E3E76385}"/>
+          </ac:spMkLst>
+        </pc:spChg>
+        <pc:spChg chg="add mod">
+          <ac:chgData name="Ritwik Shankar" userId="e2be679c-d84c-4102-934b-c8025a445f68" providerId="ADAL" clId="{248CDB21-9E84-42A9-9BBC-6B7688573ACB}" dt="2025-04-01T03:53:00.519" v="556"/>
+          <ac:spMkLst>
+            <pc:docMk/>
+            <pc:sldMk cId="4210073335" sldId="263"/>
+            <ac:spMk id="3" creationId="{EC43387B-E9F1-94FB-7CDA-5A0828B8F278}"/>
+          </ac:spMkLst>
+        </pc:spChg>
+        <pc:spChg chg="add mod">
+          <ac:chgData name="Ritwik Shankar" userId="e2be679c-d84c-4102-934b-c8025a445f68" providerId="ADAL" clId="{248CDB21-9E84-42A9-9BBC-6B7688573ACB}" dt="2025-04-01T03:53:00.271" v="555"/>
+          <ac:spMkLst>
+            <pc:docMk/>
+            <pc:sldMk cId="4210073335" sldId="263"/>
+            <ac:spMk id="4" creationId="{562E7B8C-9980-3819-0678-0A2BBB89A2CA}"/>
+          </ac:spMkLst>
+        </pc:spChg>
+        <pc:spChg chg="add mod">
+          <ac:chgData name="Ritwik Shankar" userId="e2be679c-d84c-4102-934b-c8025a445f68" providerId="ADAL" clId="{248CDB21-9E84-42A9-9BBC-6B7688573ACB}" dt="2025-04-01T03:59:49.943" v="894" actId="207"/>
+          <ac:spMkLst>
+            <pc:docMk/>
+            <pc:sldMk cId="4210073335" sldId="263"/>
+            <ac:spMk id="6" creationId="{599938B1-EA9F-F7A4-81B0-68AFE6D08CEF}"/>
+          </ac:spMkLst>
+        </pc:spChg>
+        <pc:spChg chg="add mod">
+          <ac:chgData name="Ritwik Shankar" userId="e2be679c-d84c-4102-934b-c8025a445f68" providerId="ADAL" clId="{248CDB21-9E84-42A9-9BBC-6B7688573ACB}" dt="2025-04-01T03:54:51.613" v="762" actId="207"/>
+          <ac:spMkLst>
+            <pc:docMk/>
+            <pc:sldMk cId="4210073335" sldId="263"/>
+            <ac:spMk id="8" creationId="{9B41BC57-69BD-D698-5FC3-45066C6FBDA5}"/>
+          </ac:spMkLst>
+        </pc:spChg>
+      </pc:sldChg>
+      <pc:sldChg chg="new del">
+        <pc:chgData name="Ritwik Shankar" userId="e2be679c-d84c-4102-934b-c8025a445f68" providerId="ADAL" clId="{248CDB21-9E84-42A9-9BBC-6B7688573ACB}" dt="2025-04-01T04:08:57.735" v="897" actId="47"/>
+        <pc:sldMkLst>
+          <pc:docMk/>
+          <pc:sldMk cId="185760498" sldId="264"/>
+        </pc:sldMkLst>
+      </pc:sldChg>
+      <pc:sldChg chg="addSp new mod">
+        <pc:chgData name="Ritwik Shankar" userId="e2be679c-d84c-4102-934b-c8025a445f68" providerId="ADAL" clId="{248CDB21-9E84-42A9-9BBC-6B7688573ACB}" dt="2025-04-01T04:08:58.755" v="898" actId="22"/>
+        <pc:sldMkLst>
+          <pc:docMk/>
+          <pc:sldMk cId="3034552800" sldId="265"/>
+        </pc:sldMkLst>
+        <pc:picChg chg="add">
+          <ac:chgData name="Ritwik Shankar" userId="e2be679c-d84c-4102-934b-c8025a445f68" providerId="ADAL" clId="{248CDB21-9E84-42A9-9BBC-6B7688573ACB}" dt="2025-04-01T04:08:58.755" v="898" actId="22"/>
+          <ac:picMkLst>
+            <pc:docMk/>
+            <pc:sldMk cId="3034552800" sldId="265"/>
+            <ac:picMk id="3" creationId="{25E3F70B-8AF4-FBD4-6FB1-007F0F0E3B71}"/>
+          </ac:picMkLst>
+        </pc:picChg>
+      </pc:sldChg>
+      <pc:sldChg chg="addSp new mod">
+        <pc:chgData name="Ritwik Shankar" userId="e2be679c-d84c-4102-934b-c8025a445f68" providerId="ADAL" clId="{248CDB21-9E84-42A9-9BBC-6B7688573ACB}" dt="2025-04-01T04:10:36.606" v="900" actId="22"/>
+        <pc:sldMkLst>
+          <pc:docMk/>
+          <pc:sldMk cId="683656960" sldId="266"/>
+        </pc:sldMkLst>
+        <pc:picChg chg="add">
+          <ac:chgData name="Ritwik Shankar" userId="e2be679c-d84c-4102-934b-c8025a445f68" providerId="ADAL" clId="{248CDB21-9E84-42A9-9BBC-6B7688573ACB}" dt="2025-04-01T04:10:36.606" v="900" actId="22"/>
+          <ac:picMkLst>
+            <pc:docMk/>
+            <pc:sldMk cId="683656960" sldId="266"/>
+            <ac:picMk id="3" creationId="{4C7052A6-E35A-54D3-9799-B7FFD5EA841D}"/>
+          </ac:picMkLst>
+        </pc:picChg>
+      </pc:sldChg>
+      <pc:sldChg chg="addSp new mod">
+        <pc:chgData name="Ritwik Shankar" userId="e2be679c-d84c-4102-934b-c8025a445f68" providerId="ADAL" clId="{248CDB21-9E84-42A9-9BBC-6B7688573ACB}" dt="2025-04-01T04:11:19.131" v="904" actId="22"/>
+        <pc:sldMkLst>
+          <pc:docMk/>
+          <pc:sldMk cId="1394627175" sldId="267"/>
+        </pc:sldMkLst>
+        <pc:picChg chg="add">
+          <ac:chgData name="Ritwik Shankar" userId="e2be679c-d84c-4102-934b-c8025a445f68" providerId="ADAL" clId="{248CDB21-9E84-42A9-9BBC-6B7688573ACB}" dt="2025-04-01T04:11:19.131" v="904" actId="22"/>
+          <ac:picMkLst>
+            <pc:docMk/>
+            <pc:sldMk cId="1394627175" sldId="267"/>
+            <ac:picMk id="3" creationId="{D9F2BDEA-FA97-C89A-B4CA-EA33EC33F4C7}"/>
+          </ac:picMkLst>
+        </pc:picChg>
+      </pc:sldChg>
+      <pc:sldChg chg="new del">
+        <pc:chgData name="Ritwik Shankar" userId="e2be679c-d84c-4102-934b-c8025a445f68" providerId="ADAL" clId="{248CDB21-9E84-42A9-9BBC-6B7688573ACB}" dt="2025-04-01T04:11:16.663" v="902" actId="47"/>
+        <pc:sldMkLst>
+          <pc:docMk/>
+          <pc:sldMk cId="1976723764" sldId="267"/>
+        </pc:sldMkLst>
+      </pc:sldChg>
+      <pc:sldChg chg="addSp new mod">
+        <pc:chgData name="Ritwik Shankar" userId="e2be679c-d84c-4102-934b-c8025a445f68" providerId="ADAL" clId="{248CDB21-9E84-42A9-9BBC-6B7688573ACB}" dt="2025-04-01T04:15:25.422" v="906" actId="22"/>
+        <pc:sldMkLst>
+          <pc:docMk/>
+          <pc:sldMk cId="3825092745" sldId="268"/>
+        </pc:sldMkLst>
+        <pc:picChg chg="add">
+          <ac:chgData name="Ritwik Shankar" userId="e2be679c-d84c-4102-934b-c8025a445f68" providerId="ADAL" clId="{248CDB21-9E84-42A9-9BBC-6B7688573ACB}" dt="2025-04-01T04:15:25.422" v="906" actId="22"/>
+          <ac:picMkLst>
+            <pc:docMk/>
+            <pc:sldMk cId="3825092745" sldId="268"/>
+            <ac:picMk id="3" creationId="{0BB60560-4643-84C6-A28B-F432CC6327D8}"/>
+          </ac:picMkLst>
+        </pc:picChg>
+      </pc:sldChg>
     </pc:docChg>
   </pc:docChgLst>
 </pc:chgInfo>
+</file>
+
+<file path=ppt/comments/modernComment_107_FAF09EF7.xml><?xml version="1.0" encoding="utf-8"?>
+<p188:cmLst xmlns:a="http://schemas.openxmlformats.org/drawingml/2006/main" xmlns:r="http://schemas.openxmlformats.org/officeDocument/2006/relationships" xmlns:p188="http://schemas.microsoft.com/office/powerpoint/2018/8/main">
+  <p188:cm id="{E12E278F-D291-4061-BE12-3215CB766384}" authorId="{999925A7-EAAA-4B5B-604D-88C72DE594BA}" created="2025-04-01T04:22:32.969">
+    <pc:sldMkLst xmlns:pc="http://schemas.microsoft.com/office/powerpoint/2013/main/command">
+      <pc:docMk/>
+      <pc:sldMk cId="4210073335" sldId="263"/>
+    </pc:sldMkLst>
+    <p188:txBody>
+      <a:bodyPr/>
+      <a:lstStyle/>
+      <a:p>
+        <a:r>
+          <a:rPr lang="en-IN"/>
+          <a:t>Ideal power (T^3/(2*rho*A))^0.5 = 8.5 KW
+total ideal power 60KW</a:t>
+        </a:r>
+      </a:p>
+    </p188:txBody>
+  </p188:cm>
+</p188:cmLst>
 </file>
 
 <file path=ppt/slideLayouts/slideLayout1.xml><?xml version="1.0" encoding="utf-8"?>
@@ -3659,6 +3885,186 @@
 </p:sld>
 </file>
 
+<file path=ppt/slides/slide10.xml><?xml version="1.0" encoding="utf-8"?>
+<p:sld xmlns:a="http://schemas.openxmlformats.org/drawingml/2006/main" xmlns:r="http://schemas.openxmlformats.org/officeDocument/2006/relationships" xmlns:p="http://schemas.openxmlformats.org/presentationml/2006/main">
+  <p:cSld>
+    <p:spTree>
+      <p:nvGrpSpPr>
+        <p:cNvPr id="1" name=""/>
+        <p:cNvGrpSpPr/>
+        <p:nvPr/>
+      </p:nvGrpSpPr>
+      <p:grpSpPr>
+        <a:xfrm>
+          <a:off x="0" y="0"/>
+          <a:ext cx="0" cy="0"/>
+          <a:chOff x="0" y="0"/>
+          <a:chExt cx="0" cy="0"/>
+        </a:xfrm>
+      </p:grpSpPr>
+      <p:pic>
+        <p:nvPicPr>
+          <p:cNvPr id="3" name="Picture 2">
+            <a:extLst>
+              <a:ext uri="{FF2B5EF4-FFF2-40B4-BE49-F238E27FC236}">
+                <a16:creationId xmlns:a16="http://schemas.microsoft.com/office/drawing/2014/main" id="{4C7052A6-E35A-54D3-9799-B7FFD5EA841D}"/>
+              </a:ext>
+            </a:extLst>
+          </p:cNvPr>
+          <p:cNvPicPr>
+            <a:picLocks noChangeAspect="1"/>
+          </p:cNvPicPr>
+          <p:nvPr/>
+        </p:nvPicPr>
+        <p:blipFill>
+          <a:blip r:embed="rId2"/>
+          <a:stretch>
+            <a:fillRect/>
+          </a:stretch>
+        </p:blipFill>
+        <p:spPr>
+          <a:xfrm>
+            <a:off x="0" y="17410"/>
+            <a:ext cx="12192000" cy="6823179"/>
+          </a:xfrm>
+          <a:prstGeom prst="rect">
+            <a:avLst/>
+          </a:prstGeom>
+        </p:spPr>
+      </p:pic>
+    </p:spTree>
+    <p:extLst>
+      <p:ext uri="{BB962C8B-B14F-4D97-AF65-F5344CB8AC3E}">
+        <p14:creationId xmlns:p14="http://schemas.microsoft.com/office/powerpoint/2010/main" val="683656960"/>
+      </p:ext>
+    </p:extLst>
+  </p:cSld>
+  <p:clrMapOvr>
+    <a:masterClrMapping/>
+  </p:clrMapOvr>
+</p:sld>
+</file>
+
+<file path=ppt/slides/slide11.xml><?xml version="1.0" encoding="utf-8"?>
+<p:sld xmlns:a="http://schemas.openxmlformats.org/drawingml/2006/main" xmlns:r="http://schemas.openxmlformats.org/officeDocument/2006/relationships" xmlns:p="http://schemas.openxmlformats.org/presentationml/2006/main">
+  <p:cSld>
+    <p:spTree>
+      <p:nvGrpSpPr>
+        <p:cNvPr id="1" name=""/>
+        <p:cNvGrpSpPr/>
+        <p:nvPr/>
+      </p:nvGrpSpPr>
+      <p:grpSpPr>
+        <a:xfrm>
+          <a:off x="0" y="0"/>
+          <a:ext cx="0" cy="0"/>
+          <a:chOff x="0" y="0"/>
+          <a:chExt cx="0" cy="0"/>
+        </a:xfrm>
+      </p:grpSpPr>
+      <p:pic>
+        <p:nvPicPr>
+          <p:cNvPr id="3" name="Picture 2">
+            <a:extLst>
+              <a:ext uri="{FF2B5EF4-FFF2-40B4-BE49-F238E27FC236}">
+                <a16:creationId xmlns:a16="http://schemas.microsoft.com/office/drawing/2014/main" id="{D9F2BDEA-FA97-C89A-B4CA-EA33EC33F4C7}"/>
+              </a:ext>
+            </a:extLst>
+          </p:cNvPr>
+          <p:cNvPicPr>
+            <a:picLocks noChangeAspect="1"/>
+          </p:cNvPicPr>
+          <p:nvPr/>
+        </p:nvPicPr>
+        <p:blipFill>
+          <a:blip r:embed="rId2"/>
+          <a:stretch>
+            <a:fillRect/>
+          </a:stretch>
+        </p:blipFill>
+        <p:spPr>
+          <a:xfrm>
+            <a:off x="17827" y="0"/>
+            <a:ext cx="12156346" cy="6858000"/>
+          </a:xfrm>
+          <a:prstGeom prst="rect">
+            <a:avLst/>
+          </a:prstGeom>
+        </p:spPr>
+      </p:pic>
+    </p:spTree>
+    <p:extLst>
+      <p:ext uri="{BB962C8B-B14F-4D97-AF65-F5344CB8AC3E}">
+        <p14:creationId xmlns:p14="http://schemas.microsoft.com/office/powerpoint/2010/main" val="1394627175"/>
+      </p:ext>
+    </p:extLst>
+  </p:cSld>
+  <p:clrMapOvr>
+    <a:masterClrMapping/>
+  </p:clrMapOvr>
+</p:sld>
+</file>
+
+<file path=ppt/slides/slide12.xml><?xml version="1.0" encoding="utf-8"?>
+<p:sld xmlns:a="http://schemas.openxmlformats.org/drawingml/2006/main" xmlns:r="http://schemas.openxmlformats.org/officeDocument/2006/relationships" xmlns:p="http://schemas.openxmlformats.org/presentationml/2006/main">
+  <p:cSld>
+    <p:spTree>
+      <p:nvGrpSpPr>
+        <p:cNvPr id="1" name=""/>
+        <p:cNvGrpSpPr/>
+        <p:nvPr/>
+      </p:nvGrpSpPr>
+      <p:grpSpPr>
+        <a:xfrm>
+          <a:off x="0" y="0"/>
+          <a:ext cx="0" cy="0"/>
+          <a:chOff x="0" y="0"/>
+          <a:chExt cx="0" cy="0"/>
+        </a:xfrm>
+      </p:grpSpPr>
+      <p:pic>
+        <p:nvPicPr>
+          <p:cNvPr id="3" name="Picture 2">
+            <a:extLst>
+              <a:ext uri="{FF2B5EF4-FFF2-40B4-BE49-F238E27FC236}">
+                <a16:creationId xmlns:a16="http://schemas.microsoft.com/office/drawing/2014/main" id="{0BB60560-4643-84C6-A28B-F432CC6327D8}"/>
+              </a:ext>
+            </a:extLst>
+          </p:cNvPr>
+          <p:cNvPicPr>
+            <a:picLocks noChangeAspect="1"/>
+          </p:cNvPicPr>
+          <p:nvPr/>
+        </p:nvPicPr>
+        <p:blipFill>
+          <a:blip r:embed="rId2"/>
+          <a:stretch>
+            <a:fillRect/>
+          </a:stretch>
+        </p:blipFill>
+        <p:spPr>
+          <a:xfrm>
+            <a:off x="0" y="23827"/>
+            <a:ext cx="12192000" cy="6810346"/>
+          </a:xfrm>
+          <a:prstGeom prst="rect">
+            <a:avLst/>
+          </a:prstGeom>
+        </p:spPr>
+      </p:pic>
+    </p:spTree>
+    <p:extLst>
+      <p:ext uri="{BB962C8B-B14F-4D97-AF65-F5344CB8AC3E}">
+        <p14:creationId xmlns:p14="http://schemas.microsoft.com/office/powerpoint/2010/main" val="3825092745"/>
+      </p:ext>
+    </p:extLst>
+  </p:cSld>
+  <p:clrMapOvr>
+    <a:masterClrMapping/>
+  </p:clrMapOvr>
+</p:sld>
+</file>
+
 <file path=ppt/slides/slide2.xml><?xml version="1.0" encoding="utf-8"?>
 <p:sld xmlns:a="http://schemas.openxmlformats.org/drawingml/2006/main" xmlns:r="http://schemas.openxmlformats.org/officeDocument/2006/relationships" xmlns:p="http://schemas.openxmlformats.org/presentationml/2006/main">
   <p:cSld>
@@ -3903,8 +4309,8 @@
           </a:fontRef>
         </p:style>
       </p:cxnSp>
-      <mc:AlternateContent xmlns:mc="http://schemas.openxmlformats.org/markup-compatibility/2006">
-        <mc:Choice xmlns:a14="http://schemas.microsoft.com/office/drawing/2010/main" Requires="a14">
+      <mc:AlternateContent xmlns:mc="http://schemas.openxmlformats.org/markup-compatibility/2006" xmlns:a14="http://schemas.microsoft.com/office/drawing/2010/main">
+        <mc:Choice Requires="a14">
           <p:sp>
             <p:nvSpPr>
               <p:cNvPr id="3" name="Content Placeholder 2">
@@ -4035,7 +4441,7 @@
             </p:txBody>
           </p:sp>
         </mc:Choice>
-        <mc:Fallback>
+        <mc:Fallback xmlns="">
           <p:sp>
             <p:nvSpPr>
               <p:cNvPr id="3" name="Content Placeholder 2">
@@ -4805,18 +5211,2948 @@
   <p:clrMapOvr>
     <a:masterClrMapping/>
   </p:clrMapOvr>
-  <mc:AlternateContent xmlns:mc="http://schemas.openxmlformats.org/markup-compatibility/2006">
-    <mc:Choice xmlns:p159="http://schemas.microsoft.com/office/powerpoint/2015/09/main" Requires="p159">
+  <mc:AlternateContent xmlns:mc="http://schemas.openxmlformats.org/markup-compatibility/2006" xmlns:p159="http://schemas.microsoft.com/office/powerpoint/2015/09/main">
+    <mc:Choice Requires="p159">
       <p:transition xmlns:p14="http://schemas.microsoft.com/office/powerpoint/2010/main" spd="slow" p14:dur="2000">
         <p159:morph option="byObject"/>
       </p:transition>
     </mc:Choice>
-    <mc:Fallback>
+    <mc:Fallback xmlns="">
       <p:transition spd="slow">
         <p:fade/>
       </p:transition>
     </mc:Fallback>
   </mc:AlternateContent>
+</p:sld>
+</file>
+
+<file path=ppt/slides/slide6.xml><?xml version="1.0" encoding="utf-8"?>
+<p:sld xmlns:a="http://schemas.openxmlformats.org/drawingml/2006/main" xmlns:r="http://schemas.openxmlformats.org/officeDocument/2006/relationships" xmlns:p="http://schemas.openxmlformats.org/presentationml/2006/main">
+  <p:cSld>
+    <p:spTree>
+      <p:nvGrpSpPr>
+        <p:cNvPr id="1" name=""/>
+        <p:cNvGrpSpPr/>
+        <p:nvPr/>
+      </p:nvGrpSpPr>
+      <p:grpSpPr>
+        <a:xfrm>
+          <a:off x="0" y="0"/>
+          <a:ext cx="0" cy="0"/>
+          <a:chOff x="0" y="0"/>
+          <a:chExt cx="0" cy="0"/>
+        </a:xfrm>
+      </p:grpSpPr>
+      <p:sp>
+        <p:nvSpPr>
+          <p:cNvPr id="6" name="TextBox 5">
+            <a:extLst>
+              <a:ext uri="{FF2B5EF4-FFF2-40B4-BE49-F238E27FC236}">
+                <a16:creationId xmlns:a16="http://schemas.microsoft.com/office/drawing/2014/main" id="{599938B1-EA9F-F7A4-81B0-68AFE6D08CEF}"/>
+              </a:ext>
+            </a:extLst>
+          </p:cNvPr>
+          <p:cNvSpPr txBox="1"/>
+          <p:nvPr/>
+        </p:nvSpPr>
+        <p:spPr>
+          <a:xfrm>
+            <a:off x="118872" y="1566964"/>
+            <a:ext cx="11530584" cy="5016758"/>
+          </a:xfrm>
+          <a:prstGeom prst="rect">
+            <a:avLst/>
+          </a:prstGeom>
+          <a:noFill/>
+        </p:spPr>
+        <p:txBody>
+          <a:bodyPr wrap="square">
+            <a:spAutoFit/>
+          </a:bodyPr>
+          <a:lstStyle/>
+          <a:p>
+            <a:pPr algn="ctr" rtl="0">
+              <a:buFont typeface="Arial" panose="020B0604020202020204" pitchFamily="34" charset="0"/>
+              <a:buChar char="•"/>
+            </a:pPr>
+            <a:r>
+              <a:rPr lang="en-US" sz="4000" b="1" i="0" dirty="0">
+                <a:solidFill>
+                  <a:srgbClr val="000000"/>
+                </a:solidFill>
+                <a:effectLst/>
+              </a:rPr>
+              <a:t>Hydrogen fuel considered with Specific Energy Density 0.8-1 KW </a:t>
+            </a:r>
+            <a:r>
+              <a:rPr lang="en-US" sz="4000" b="1" i="0" dirty="0" err="1">
+                <a:solidFill>
+                  <a:srgbClr val="000000"/>
+                </a:solidFill>
+                <a:effectLst/>
+              </a:rPr>
+              <a:t>Hr</a:t>
+            </a:r>
+            <a:r>
+              <a:rPr lang="en-US" sz="4000" b="1" i="0" dirty="0">
+                <a:solidFill>
+                  <a:srgbClr val="000000"/>
+                </a:solidFill>
+                <a:effectLst/>
+              </a:rPr>
+              <a:t>/Kg</a:t>
+            </a:r>
+            <a:endParaRPr lang="en-US" sz="4000" b="1" dirty="0">
+              <a:effectLst/>
+            </a:endParaRPr>
+          </a:p>
+          <a:p>
+            <a:pPr algn="ctr" rtl="0">
+              <a:buFont typeface="Arial" panose="020B0604020202020204" pitchFamily="34" charset="0"/>
+              <a:buChar char="•"/>
+            </a:pPr>
+            <a:r>
+              <a:rPr lang="en-US" sz="4000" b="1" i="0" dirty="0">
+                <a:solidFill>
+                  <a:srgbClr val="FF0000"/>
+                </a:solidFill>
+                <a:effectLst/>
+              </a:rPr>
+              <a:t>Full system mass to consider Power density of 0.1-0.15 KW /Kg </a:t>
+            </a:r>
+          </a:p>
+          <a:p>
+            <a:pPr algn="ctr" rtl="0">
+              <a:buFont typeface="Arial" panose="020B0604020202020204" pitchFamily="34" charset="0"/>
+              <a:buChar char="•"/>
+            </a:pPr>
+            <a:r>
+              <a:rPr lang="en-US" sz="4000" b="1" dirty="0">
+                <a:solidFill>
+                  <a:srgbClr val="000000"/>
+                </a:solidFill>
+              </a:rPr>
+              <a:t>Initially system weight will be calculated for an estimate T9 = 30 mins</a:t>
+            </a:r>
+          </a:p>
+          <a:p>
+            <a:pPr algn="ctr" rtl="0">
+              <a:buFont typeface="Arial" panose="020B0604020202020204" pitchFamily="34" charset="0"/>
+              <a:buChar char="•"/>
+            </a:pPr>
+            <a:r>
+              <a:rPr lang="en-US" sz="4000" b="1" dirty="0">
+                <a:solidFill>
+                  <a:srgbClr val="000000"/>
+                </a:solidFill>
+                <a:effectLst/>
+              </a:rPr>
+              <a:t>Then after getting a</a:t>
+            </a:r>
+            <a:r>
+              <a:rPr lang="en-US" sz="4000" b="1" dirty="0">
+                <a:solidFill>
+                  <a:srgbClr val="000000"/>
+                </a:solidFill>
+              </a:rPr>
+              <a:t>n estimate system weight from IIT </a:t>
+            </a:r>
+            <a:r>
+              <a:rPr lang="en-US" sz="4000" b="1" dirty="0" err="1">
+                <a:solidFill>
+                  <a:srgbClr val="000000"/>
+                </a:solidFill>
+              </a:rPr>
+              <a:t>Gn</a:t>
+            </a:r>
+            <a:r>
+              <a:rPr lang="en-US" sz="4000" b="1" dirty="0">
+                <a:solidFill>
+                  <a:srgbClr val="000000"/>
+                </a:solidFill>
+              </a:rPr>
+              <a:t> we will </a:t>
+            </a:r>
+            <a:r>
+              <a:rPr lang="en-US" sz="4000" b="1" dirty="0" err="1">
+                <a:solidFill>
+                  <a:srgbClr val="000000"/>
+                </a:solidFill>
+              </a:rPr>
+              <a:t>maximise</a:t>
+            </a:r>
+            <a:r>
+              <a:rPr lang="en-US" sz="4000" b="1" dirty="0">
+                <a:solidFill>
+                  <a:srgbClr val="000000"/>
+                </a:solidFill>
+              </a:rPr>
+              <a:t> T9</a:t>
+            </a:r>
+            <a:endParaRPr lang="en-US" sz="4000" b="1" dirty="0">
+              <a:effectLst/>
+            </a:endParaRPr>
+          </a:p>
+        </p:txBody>
+      </p:sp>
+      <p:sp>
+        <p:nvSpPr>
+          <p:cNvPr id="8" name="TextBox 7">
+            <a:extLst>
+              <a:ext uri="{FF2B5EF4-FFF2-40B4-BE49-F238E27FC236}">
+                <a16:creationId xmlns:a16="http://schemas.microsoft.com/office/drawing/2014/main" id="{9B41BC57-69BD-D698-5FC3-45066C6FBDA5}"/>
+              </a:ext>
+            </a:extLst>
+          </p:cNvPr>
+          <p:cNvSpPr txBox="1"/>
+          <p:nvPr/>
+        </p:nvSpPr>
+        <p:spPr>
+          <a:xfrm>
+            <a:off x="2644902" y="274278"/>
+            <a:ext cx="6094476" cy="830997"/>
+          </a:xfrm>
+          <a:prstGeom prst="rect">
+            <a:avLst/>
+          </a:prstGeom>
+          <a:noFill/>
+        </p:spPr>
+        <p:txBody>
+          <a:bodyPr wrap="square">
+            <a:spAutoFit/>
+          </a:bodyPr>
+          <a:lstStyle/>
+          <a:p>
+            <a:pPr algn="ctr" rtl="0"/>
+            <a:r>
+              <a:rPr lang="en-IN" sz="4800" b="1" i="0" dirty="0">
+                <a:solidFill>
+                  <a:srgbClr val="0070C0"/>
+                </a:solidFill>
+                <a:effectLst/>
+              </a:rPr>
+              <a:t>Power System Sizing</a:t>
+            </a:r>
+            <a:endParaRPr lang="en-IN" sz="4800" dirty="0">
+              <a:solidFill>
+                <a:srgbClr val="0070C0"/>
+              </a:solidFill>
+              <a:effectLst/>
+            </a:endParaRPr>
+          </a:p>
+        </p:txBody>
+      </p:sp>
+    </p:spTree>
+    <p:extLst>
+      <p:ext uri="{BB962C8B-B14F-4D97-AF65-F5344CB8AC3E}">
+        <p14:creationId xmlns:p14="http://schemas.microsoft.com/office/powerpoint/2010/main" val="4210073335"/>
+      </p:ext>
+    </p:extLst>
+  </p:cSld>
+  <p:clrMapOvr>
+    <a:masterClrMapping/>
+  </p:clrMapOvr>
+  <p:extLst>
+    <p:ext uri="{6950BFC3-D8DA-4A85-94F7-54DA5524770B}">
+      <p188:commentRel xmlns:p188="http://schemas.microsoft.com/office/powerpoint/2018/8/main" r:id="rId2"/>
+    </p:ext>
+  </p:extLst>
+</p:sld>
+</file>
+
+<file path=ppt/slides/slide7.xml><?xml version="1.0" encoding="utf-8"?>
+<p:sld xmlns:a="http://schemas.openxmlformats.org/drawingml/2006/main" xmlns:r="http://schemas.openxmlformats.org/officeDocument/2006/relationships" xmlns:p="http://schemas.openxmlformats.org/presentationml/2006/main">
+  <p:cSld>
+    <p:spTree>
+      <p:nvGrpSpPr>
+        <p:cNvPr id="1" name=""/>
+        <p:cNvGrpSpPr/>
+        <p:nvPr/>
+      </p:nvGrpSpPr>
+      <p:grpSpPr>
+        <a:xfrm>
+          <a:off x="0" y="0"/>
+          <a:ext cx="0" cy="0"/>
+          <a:chOff x="0" y="0"/>
+          <a:chExt cx="0" cy="0"/>
+        </a:xfrm>
+      </p:grpSpPr>
+      <p:pic>
+        <p:nvPicPr>
+          <p:cNvPr id="5" name="Picture 4">
+            <a:extLst>
+              <a:ext uri="{FF2B5EF4-FFF2-40B4-BE49-F238E27FC236}">
+                <a16:creationId xmlns:a16="http://schemas.microsoft.com/office/drawing/2014/main" id="{2060D830-6BB5-3E2B-0CED-2F3FB4F9CD26}"/>
+              </a:ext>
+            </a:extLst>
+          </p:cNvPr>
+          <p:cNvPicPr>
+            <a:picLocks noChangeAspect="1"/>
+          </p:cNvPicPr>
+          <p:nvPr/>
+        </p:nvPicPr>
+        <p:blipFill>
+          <a:blip r:embed="rId2"/>
+          <a:stretch>
+            <a:fillRect/>
+          </a:stretch>
+        </p:blipFill>
+        <p:spPr>
+          <a:xfrm>
+            <a:off x="0" y="212651"/>
+            <a:ext cx="12192000" cy="6432698"/>
+          </a:xfrm>
+          <a:prstGeom prst="rect">
+            <a:avLst/>
+          </a:prstGeom>
+        </p:spPr>
+      </p:pic>
+      <p:sp>
+        <p:nvSpPr>
+          <p:cNvPr id="7" name="TextBox 6">
+            <a:extLst>
+              <a:ext uri="{FF2B5EF4-FFF2-40B4-BE49-F238E27FC236}">
+                <a16:creationId xmlns:a16="http://schemas.microsoft.com/office/drawing/2014/main" id="{7DE628C6-6C0D-29F7-C44A-D53CC143C87F}"/>
+              </a:ext>
+            </a:extLst>
+          </p:cNvPr>
+          <p:cNvSpPr txBox="1"/>
+          <p:nvPr/>
+        </p:nvSpPr>
+        <p:spPr>
+          <a:xfrm>
+            <a:off x="986144" y="464960"/>
+            <a:ext cx="10581015" cy="584775"/>
+          </a:xfrm>
+          <a:prstGeom prst="rect">
+            <a:avLst/>
+          </a:prstGeom>
+          <a:noFill/>
+        </p:spPr>
+        <p:txBody>
+          <a:bodyPr wrap="square">
+            <a:spAutoFit/>
+          </a:bodyPr>
+          <a:lstStyle/>
+          <a:p>
+            <a:pPr algn="ctr" rtl="0"/>
+            <a:r>
+              <a:rPr lang="en-IN" sz="3200" b="1" i="0" dirty="0">
+                <a:solidFill>
+                  <a:srgbClr val="000000"/>
+                </a:solidFill>
+                <a:effectLst/>
+              </a:rPr>
+              <a:t>Mission Segment for energy calculations</a:t>
+            </a:r>
+            <a:endParaRPr lang="en-IN" sz="3200" dirty="0">
+              <a:effectLst/>
+            </a:endParaRPr>
+          </a:p>
+        </p:txBody>
+      </p:sp>
+    </p:spTree>
+    <p:extLst>
+      <p:ext uri="{BB962C8B-B14F-4D97-AF65-F5344CB8AC3E}">
+        <p14:creationId xmlns:p14="http://schemas.microsoft.com/office/powerpoint/2010/main" val="1832804816"/>
+      </p:ext>
+    </p:extLst>
+  </p:cSld>
+  <p:clrMapOvr>
+    <a:masterClrMapping/>
+  </p:clrMapOvr>
+</p:sld>
+</file>
+
+<file path=ppt/slides/slide8.xml><?xml version="1.0" encoding="utf-8"?>
+<p:sld xmlns:a="http://schemas.openxmlformats.org/drawingml/2006/main" xmlns:r="http://schemas.openxmlformats.org/officeDocument/2006/relationships" xmlns:p="http://schemas.openxmlformats.org/presentationml/2006/main">
+  <p:cSld>
+    <p:spTree>
+      <p:nvGrpSpPr>
+        <p:cNvPr id="1" name=""/>
+        <p:cNvGrpSpPr/>
+        <p:nvPr/>
+      </p:nvGrpSpPr>
+      <p:grpSpPr>
+        <a:xfrm>
+          <a:off x="0" y="0"/>
+          <a:ext cx="0" cy="0"/>
+          <a:chOff x="0" y="0"/>
+          <a:chExt cx="0" cy="0"/>
+        </a:xfrm>
+      </p:grpSpPr>
+      <p:graphicFrame>
+        <p:nvGraphicFramePr>
+          <p:cNvPr id="3" name="Table 2">
+            <a:extLst>
+              <a:ext uri="{FF2B5EF4-FFF2-40B4-BE49-F238E27FC236}">
+                <a16:creationId xmlns:a16="http://schemas.microsoft.com/office/drawing/2014/main" id="{40344C32-67BC-0A7D-CF9E-7944E6EC74CE}"/>
+              </a:ext>
+            </a:extLst>
+          </p:cNvPr>
+          <p:cNvGraphicFramePr>
+            <a:graphicFrameLocks noGrp="1"/>
+          </p:cNvGraphicFramePr>
+          <p:nvPr>
+            <p:extLst>
+              <p:ext uri="{D42A27DB-BD31-4B8C-83A1-F6EECF244321}">
+                <p14:modId xmlns:p14="http://schemas.microsoft.com/office/powerpoint/2010/main" val="2183052154"/>
+              </p:ext>
+            </p:extLst>
+          </p:nvPr>
+        </p:nvGraphicFramePr>
+        <p:xfrm>
+          <a:off x="3952713" y="1097280"/>
+          <a:ext cx="7315200" cy="4663440"/>
+        </p:xfrm>
+        <a:graphic>
+          <a:graphicData uri="http://schemas.openxmlformats.org/drawingml/2006/table">
+            <a:tbl>
+              <a:tblPr/>
+              <a:tblGrid>
+                <a:gridCol w="1828800">
+                  <a:extLst>
+                    <a:ext uri="{9D8B030D-6E8A-4147-A177-3AD203B41FA5}">
+                      <a16:colId xmlns:a16="http://schemas.microsoft.com/office/drawing/2014/main" val="3965126275"/>
+                    </a:ext>
+                  </a:extLst>
+                </a:gridCol>
+                <a:gridCol w="1828800">
+                  <a:extLst>
+                    <a:ext uri="{9D8B030D-6E8A-4147-A177-3AD203B41FA5}">
+                      <a16:colId xmlns:a16="http://schemas.microsoft.com/office/drawing/2014/main" val="3078022539"/>
+                    </a:ext>
+                  </a:extLst>
+                </a:gridCol>
+                <a:gridCol w="1828800">
+                  <a:extLst>
+                    <a:ext uri="{9D8B030D-6E8A-4147-A177-3AD203B41FA5}">
+                      <a16:colId xmlns:a16="http://schemas.microsoft.com/office/drawing/2014/main" val="852742612"/>
+                    </a:ext>
+                  </a:extLst>
+                </a:gridCol>
+                <a:gridCol w="1828800">
+                  <a:extLst>
+                    <a:ext uri="{9D8B030D-6E8A-4147-A177-3AD203B41FA5}">
+                      <a16:colId xmlns:a16="http://schemas.microsoft.com/office/drawing/2014/main" val="1033375706"/>
+                    </a:ext>
+                  </a:extLst>
+                </a:gridCol>
+              </a:tblGrid>
+              <a:tr h="0">
+                <a:tc>
+                  <a:txBody>
+                    <a:bodyPr/>
+                    <a:lstStyle/>
+                    <a:p>
+                      <a:pPr algn="ctr" rtl="0">
+                        <a:buNone/>
+                      </a:pPr>
+                      <a:r>
+                        <a:rPr lang="en-IN" b="1" i="0">
+                          <a:solidFill>
+                            <a:srgbClr val="000000"/>
+                          </a:solidFill>
+                          <a:effectLst/>
+                        </a:rPr>
+                        <a:t>PARAM</a:t>
+                      </a:r>
+                      <a:endParaRPr lang="en-IN">
+                        <a:effectLst/>
+                      </a:endParaRPr>
+                    </a:p>
+                  </a:txBody>
+                  <a:tcPr anchor="ctr">
+                    <a:lnL w="7620" cap="flat" cmpd="sng" algn="ctr">
+                      <a:solidFill>
+                        <a:srgbClr val="000000"/>
+                      </a:solidFill>
+                      <a:prstDash val="solid"/>
+                      <a:round/>
+                      <a:headEnd type="none" w="med" len="med"/>
+                      <a:tailEnd type="none" w="med" len="med"/>
+                    </a:lnL>
+                    <a:lnR w="7620" cap="flat" cmpd="sng" algn="ctr">
+                      <a:solidFill>
+                        <a:srgbClr val="000000"/>
+                      </a:solidFill>
+                      <a:prstDash val="solid"/>
+                      <a:round/>
+                      <a:headEnd type="none" w="med" len="med"/>
+                      <a:tailEnd type="none" w="med" len="med"/>
+                    </a:lnR>
+                    <a:lnT w="7620" cap="flat" cmpd="sng" algn="ctr">
+                      <a:solidFill>
+                        <a:srgbClr val="000000"/>
+                      </a:solidFill>
+                      <a:prstDash val="solid"/>
+                      <a:round/>
+                      <a:headEnd type="none" w="med" len="med"/>
+                      <a:tailEnd type="none" w="med" len="med"/>
+                    </a:lnT>
+                    <a:lnB w="7620" cap="flat" cmpd="sng" algn="ctr">
+                      <a:solidFill>
+                        <a:srgbClr val="000000"/>
+                      </a:solidFill>
+                      <a:prstDash val="solid"/>
+                      <a:round/>
+                      <a:headEnd type="none" w="med" len="med"/>
+                      <a:tailEnd type="none" w="med" len="med"/>
+                    </a:lnB>
+                    <a:noFill/>
+                  </a:tcPr>
+                </a:tc>
+                <a:tc>
+                  <a:txBody>
+                    <a:bodyPr/>
+                    <a:lstStyle/>
+                    <a:p>
+                      <a:pPr algn="ctr" rtl="0">
+                        <a:buNone/>
+                      </a:pPr>
+                      <a:r>
+                        <a:rPr lang="en-IN" b="1" i="0">
+                          <a:solidFill>
+                            <a:srgbClr val="000000"/>
+                          </a:solidFill>
+                          <a:effectLst/>
+                        </a:rPr>
+                        <a:t>VALUE</a:t>
+                      </a:r>
+                      <a:endParaRPr lang="en-IN">
+                        <a:effectLst/>
+                      </a:endParaRPr>
+                    </a:p>
+                  </a:txBody>
+                  <a:tcPr anchor="ctr">
+                    <a:lnL w="7620" cap="flat" cmpd="sng" algn="ctr">
+                      <a:solidFill>
+                        <a:srgbClr val="000000"/>
+                      </a:solidFill>
+                      <a:prstDash val="solid"/>
+                      <a:round/>
+                      <a:headEnd type="none" w="med" len="med"/>
+                      <a:tailEnd type="none" w="med" len="med"/>
+                    </a:lnL>
+                    <a:lnR w="7620" cap="flat" cmpd="sng" algn="ctr">
+                      <a:solidFill>
+                        <a:srgbClr val="000000"/>
+                      </a:solidFill>
+                      <a:prstDash val="solid"/>
+                      <a:round/>
+                      <a:headEnd type="none" w="med" len="med"/>
+                      <a:tailEnd type="none" w="med" len="med"/>
+                    </a:lnR>
+                    <a:lnT w="7620" cap="flat" cmpd="sng" algn="ctr">
+                      <a:solidFill>
+                        <a:srgbClr val="000000"/>
+                      </a:solidFill>
+                      <a:prstDash val="solid"/>
+                      <a:round/>
+                      <a:headEnd type="none" w="med" len="med"/>
+                      <a:tailEnd type="none" w="med" len="med"/>
+                    </a:lnT>
+                    <a:lnB w="7620" cap="flat" cmpd="sng" algn="ctr">
+                      <a:solidFill>
+                        <a:srgbClr val="000000"/>
+                      </a:solidFill>
+                      <a:prstDash val="solid"/>
+                      <a:round/>
+                      <a:headEnd type="none" w="med" len="med"/>
+                      <a:tailEnd type="none" w="med" len="med"/>
+                    </a:lnB>
+                    <a:noFill/>
+                  </a:tcPr>
+                </a:tc>
+                <a:tc>
+                  <a:txBody>
+                    <a:bodyPr/>
+                    <a:lstStyle/>
+                    <a:p>
+                      <a:pPr algn="ctr" rtl="0">
+                        <a:buNone/>
+                      </a:pPr>
+                      <a:r>
+                        <a:rPr lang="en-IN" b="1" i="0">
+                          <a:solidFill>
+                            <a:srgbClr val="000000"/>
+                          </a:solidFill>
+                          <a:effectLst/>
+                        </a:rPr>
+                        <a:t>PARAM</a:t>
+                      </a:r>
+                      <a:endParaRPr lang="en-IN">
+                        <a:effectLst/>
+                      </a:endParaRPr>
+                    </a:p>
+                  </a:txBody>
+                  <a:tcPr anchor="ctr">
+                    <a:lnL w="7620" cap="flat" cmpd="sng" algn="ctr">
+                      <a:solidFill>
+                        <a:srgbClr val="000000"/>
+                      </a:solidFill>
+                      <a:prstDash val="solid"/>
+                      <a:round/>
+                      <a:headEnd type="none" w="med" len="med"/>
+                      <a:tailEnd type="none" w="med" len="med"/>
+                    </a:lnL>
+                    <a:lnR w="7620" cap="flat" cmpd="sng" algn="ctr">
+                      <a:solidFill>
+                        <a:srgbClr val="000000"/>
+                      </a:solidFill>
+                      <a:prstDash val="solid"/>
+                      <a:round/>
+                      <a:headEnd type="none" w="med" len="med"/>
+                      <a:tailEnd type="none" w="med" len="med"/>
+                    </a:lnR>
+                    <a:lnT w="7620" cap="flat" cmpd="sng" algn="ctr">
+                      <a:solidFill>
+                        <a:srgbClr val="000000"/>
+                      </a:solidFill>
+                      <a:prstDash val="solid"/>
+                      <a:round/>
+                      <a:headEnd type="none" w="med" len="med"/>
+                      <a:tailEnd type="none" w="med" len="med"/>
+                    </a:lnT>
+                    <a:lnB w="7620" cap="flat" cmpd="sng" algn="ctr">
+                      <a:solidFill>
+                        <a:srgbClr val="000000"/>
+                      </a:solidFill>
+                      <a:prstDash val="solid"/>
+                      <a:round/>
+                      <a:headEnd type="none" w="med" len="med"/>
+                      <a:tailEnd type="none" w="med" len="med"/>
+                    </a:lnB>
+                    <a:noFill/>
+                  </a:tcPr>
+                </a:tc>
+                <a:tc>
+                  <a:txBody>
+                    <a:bodyPr/>
+                    <a:lstStyle/>
+                    <a:p>
+                      <a:pPr algn="ctr" rtl="0">
+                        <a:buNone/>
+                      </a:pPr>
+                      <a:r>
+                        <a:rPr lang="en-IN" b="1" i="0">
+                          <a:solidFill>
+                            <a:srgbClr val="000000"/>
+                          </a:solidFill>
+                          <a:effectLst/>
+                        </a:rPr>
+                        <a:t>VALUE</a:t>
+                      </a:r>
+                      <a:endParaRPr lang="en-IN">
+                        <a:effectLst/>
+                      </a:endParaRPr>
+                    </a:p>
+                  </a:txBody>
+                  <a:tcPr anchor="ctr">
+                    <a:lnL w="7620" cap="flat" cmpd="sng" algn="ctr">
+                      <a:solidFill>
+                        <a:srgbClr val="000000"/>
+                      </a:solidFill>
+                      <a:prstDash val="solid"/>
+                      <a:round/>
+                      <a:headEnd type="none" w="med" len="med"/>
+                      <a:tailEnd type="none" w="med" len="med"/>
+                    </a:lnL>
+                    <a:lnR w="7620" cap="flat" cmpd="sng" algn="ctr">
+                      <a:solidFill>
+                        <a:srgbClr val="000000"/>
+                      </a:solidFill>
+                      <a:prstDash val="solid"/>
+                      <a:round/>
+                      <a:headEnd type="none" w="med" len="med"/>
+                      <a:tailEnd type="none" w="med" len="med"/>
+                    </a:lnR>
+                    <a:lnT w="7620" cap="flat" cmpd="sng" algn="ctr">
+                      <a:solidFill>
+                        <a:srgbClr val="000000"/>
+                      </a:solidFill>
+                      <a:prstDash val="solid"/>
+                      <a:round/>
+                      <a:headEnd type="none" w="med" len="med"/>
+                      <a:tailEnd type="none" w="med" len="med"/>
+                    </a:lnT>
+                    <a:lnB w="7620" cap="flat" cmpd="sng" algn="ctr">
+                      <a:solidFill>
+                        <a:srgbClr val="000000"/>
+                      </a:solidFill>
+                      <a:prstDash val="solid"/>
+                      <a:round/>
+                      <a:headEnd type="none" w="med" len="med"/>
+                      <a:tailEnd type="none" w="med" len="med"/>
+                    </a:lnB>
+                    <a:noFill/>
+                  </a:tcPr>
+                </a:tc>
+                <a:extLst>
+                  <a:ext uri="{0D108BD9-81ED-4DB2-BD59-A6C34878D82A}">
+                    <a16:rowId xmlns:a16="http://schemas.microsoft.com/office/drawing/2014/main" val="3798252277"/>
+                  </a:ext>
+                </a:extLst>
+              </a:tr>
+              <a:tr h="0">
+                <a:tc>
+                  <a:txBody>
+                    <a:bodyPr/>
+                    <a:lstStyle/>
+                    <a:p>
+                      <a:pPr algn="ctr" rtl="0">
+                        <a:buNone/>
+                      </a:pPr>
+                      <a:r>
+                        <a:rPr lang="en-IN" b="1" i="0">
+                          <a:solidFill>
+                            <a:srgbClr val="000000"/>
+                          </a:solidFill>
+                          <a:effectLst/>
+                        </a:rPr>
+                        <a:t>Number of Blades</a:t>
+                      </a:r>
+                      <a:endParaRPr lang="en-IN">
+                        <a:effectLst/>
+                      </a:endParaRPr>
+                    </a:p>
+                  </a:txBody>
+                  <a:tcPr anchor="ctr">
+                    <a:lnL w="7620" cap="flat" cmpd="sng" algn="ctr">
+                      <a:solidFill>
+                        <a:srgbClr val="000000"/>
+                      </a:solidFill>
+                      <a:prstDash val="solid"/>
+                      <a:round/>
+                      <a:headEnd type="none" w="med" len="med"/>
+                      <a:tailEnd type="none" w="med" len="med"/>
+                    </a:lnL>
+                    <a:lnR w="7620" cap="flat" cmpd="sng" algn="ctr">
+                      <a:solidFill>
+                        <a:srgbClr val="000000"/>
+                      </a:solidFill>
+                      <a:prstDash val="solid"/>
+                      <a:round/>
+                      <a:headEnd type="none" w="med" len="med"/>
+                      <a:tailEnd type="none" w="med" len="med"/>
+                    </a:lnR>
+                    <a:lnT w="7620" cap="flat" cmpd="sng" algn="ctr">
+                      <a:solidFill>
+                        <a:srgbClr val="000000"/>
+                      </a:solidFill>
+                      <a:prstDash val="solid"/>
+                      <a:round/>
+                      <a:headEnd type="none" w="med" len="med"/>
+                      <a:tailEnd type="none" w="med" len="med"/>
+                    </a:lnT>
+                    <a:lnB w="7620" cap="flat" cmpd="sng" algn="ctr">
+                      <a:solidFill>
+                        <a:srgbClr val="000000"/>
+                      </a:solidFill>
+                      <a:prstDash val="solid"/>
+                      <a:round/>
+                      <a:headEnd type="none" w="med" len="med"/>
+                      <a:tailEnd type="none" w="med" len="med"/>
+                    </a:lnB>
+                    <a:noFill/>
+                  </a:tcPr>
+                </a:tc>
+                <a:tc>
+                  <a:txBody>
+                    <a:bodyPr/>
+                    <a:lstStyle/>
+                    <a:p>
+                      <a:pPr algn="ctr" rtl="0">
+                        <a:buNone/>
+                      </a:pPr>
+                      <a:r>
+                        <a:rPr lang="en-IN" b="1" i="0">
+                          <a:solidFill>
+                            <a:srgbClr val="000000"/>
+                          </a:solidFill>
+                          <a:effectLst/>
+                        </a:rPr>
+                        <a:t>3</a:t>
+                      </a:r>
+                      <a:endParaRPr lang="en-IN">
+                        <a:effectLst/>
+                      </a:endParaRPr>
+                    </a:p>
+                  </a:txBody>
+                  <a:tcPr anchor="ctr">
+                    <a:lnL w="7620" cap="flat" cmpd="sng" algn="ctr">
+                      <a:solidFill>
+                        <a:srgbClr val="000000"/>
+                      </a:solidFill>
+                      <a:prstDash val="solid"/>
+                      <a:round/>
+                      <a:headEnd type="none" w="med" len="med"/>
+                      <a:tailEnd type="none" w="med" len="med"/>
+                    </a:lnL>
+                    <a:lnR w="7620" cap="flat" cmpd="sng" algn="ctr">
+                      <a:solidFill>
+                        <a:srgbClr val="000000"/>
+                      </a:solidFill>
+                      <a:prstDash val="solid"/>
+                      <a:round/>
+                      <a:headEnd type="none" w="med" len="med"/>
+                      <a:tailEnd type="none" w="med" len="med"/>
+                    </a:lnR>
+                    <a:lnT w="7620" cap="flat" cmpd="sng" algn="ctr">
+                      <a:solidFill>
+                        <a:srgbClr val="000000"/>
+                      </a:solidFill>
+                      <a:prstDash val="solid"/>
+                      <a:round/>
+                      <a:headEnd type="none" w="med" len="med"/>
+                      <a:tailEnd type="none" w="med" len="med"/>
+                    </a:lnT>
+                    <a:lnB w="7620" cap="flat" cmpd="sng" algn="ctr">
+                      <a:solidFill>
+                        <a:srgbClr val="000000"/>
+                      </a:solidFill>
+                      <a:prstDash val="solid"/>
+                      <a:round/>
+                      <a:headEnd type="none" w="med" len="med"/>
+                      <a:tailEnd type="none" w="med" len="med"/>
+                    </a:lnB>
+                    <a:noFill/>
+                  </a:tcPr>
+                </a:tc>
+                <a:tc>
+                  <a:txBody>
+                    <a:bodyPr/>
+                    <a:lstStyle/>
+                    <a:p>
+                      <a:pPr algn="ctr" rtl="0">
+                        <a:buNone/>
+                      </a:pPr>
+                      <a:r>
+                        <a:rPr lang="en-IN" b="1" i="0" dirty="0">
+                          <a:solidFill>
+                            <a:srgbClr val="000000"/>
+                          </a:solidFill>
+                          <a:effectLst/>
+                        </a:rPr>
+                        <a:t>Total Hover Power Watt</a:t>
+                      </a:r>
+                      <a:endParaRPr lang="en-IN" dirty="0">
+                        <a:effectLst/>
+                      </a:endParaRPr>
+                    </a:p>
+                  </a:txBody>
+                  <a:tcPr anchor="ctr">
+                    <a:lnL w="7620" cap="flat" cmpd="sng" algn="ctr">
+                      <a:solidFill>
+                        <a:srgbClr val="000000"/>
+                      </a:solidFill>
+                      <a:prstDash val="solid"/>
+                      <a:round/>
+                      <a:headEnd type="none" w="med" len="med"/>
+                      <a:tailEnd type="none" w="med" len="med"/>
+                    </a:lnL>
+                    <a:lnR w="7620" cap="flat" cmpd="sng" algn="ctr">
+                      <a:solidFill>
+                        <a:srgbClr val="000000"/>
+                      </a:solidFill>
+                      <a:prstDash val="solid"/>
+                      <a:round/>
+                      <a:headEnd type="none" w="med" len="med"/>
+                      <a:tailEnd type="none" w="med" len="med"/>
+                    </a:lnR>
+                    <a:lnT w="7620" cap="flat" cmpd="sng" algn="ctr">
+                      <a:solidFill>
+                        <a:srgbClr val="000000"/>
+                      </a:solidFill>
+                      <a:prstDash val="solid"/>
+                      <a:round/>
+                      <a:headEnd type="none" w="med" len="med"/>
+                      <a:tailEnd type="none" w="med" len="med"/>
+                    </a:lnT>
+                    <a:lnB w="7620" cap="flat" cmpd="sng" algn="ctr">
+                      <a:solidFill>
+                        <a:srgbClr val="000000"/>
+                      </a:solidFill>
+                      <a:prstDash val="solid"/>
+                      <a:round/>
+                      <a:headEnd type="none" w="med" len="med"/>
+                      <a:tailEnd type="none" w="med" len="med"/>
+                    </a:lnB>
+                    <a:noFill/>
+                  </a:tcPr>
+                </a:tc>
+                <a:tc>
+                  <a:txBody>
+                    <a:bodyPr/>
+                    <a:lstStyle/>
+                    <a:p>
+                      <a:pPr algn="ctr" rtl="0">
+                        <a:buNone/>
+                      </a:pPr>
+                      <a:r>
+                        <a:rPr lang="en-IN" b="1" i="0" dirty="0">
+                          <a:solidFill>
+                            <a:srgbClr val="000000"/>
+                          </a:solidFill>
+                          <a:effectLst/>
+                        </a:rPr>
+                        <a:t>~200 KW</a:t>
+                      </a:r>
+                      <a:endParaRPr lang="en-IN" dirty="0">
+                        <a:effectLst/>
+                      </a:endParaRPr>
+                    </a:p>
+                  </a:txBody>
+                  <a:tcPr anchor="ctr">
+                    <a:lnL w="7620" cap="flat" cmpd="sng" algn="ctr">
+                      <a:solidFill>
+                        <a:srgbClr val="000000"/>
+                      </a:solidFill>
+                      <a:prstDash val="solid"/>
+                      <a:round/>
+                      <a:headEnd type="none" w="med" len="med"/>
+                      <a:tailEnd type="none" w="med" len="med"/>
+                    </a:lnL>
+                    <a:lnR w="7620" cap="flat" cmpd="sng" algn="ctr">
+                      <a:solidFill>
+                        <a:srgbClr val="000000"/>
+                      </a:solidFill>
+                      <a:prstDash val="solid"/>
+                      <a:round/>
+                      <a:headEnd type="none" w="med" len="med"/>
+                      <a:tailEnd type="none" w="med" len="med"/>
+                    </a:lnR>
+                    <a:lnT w="7620" cap="flat" cmpd="sng" algn="ctr">
+                      <a:solidFill>
+                        <a:srgbClr val="000000"/>
+                      </a:solidFill>
+                      <a:prstDash val="solid"/>
+                      <a:round/>
+                      <a:headEnd type="none" w="med" len="med"/>
+                      <a:tailEnd type="none" w="med" len="med"/>
+                    </a:lnT>
+                    <a:lnB w="7620" cap="flat" cmpd="sng" algn="ctr">
+                      <a:solidFill>
+                        <a:srgbClr val="000000"/>
+                      </a:solidFill>
+                      <a:prstDash val="solid"/>
+                      <a:round/>
+                      <a:headEnd type="none" w="med" len="med"/>
+                      <a:tailEnd type="none" w="med" len="med"/>
+                    </a:lnB>
+                    <a:noFill/>
+                  </a:tcPr>
+                </a:tc>
+                <a:extLst>
+                  <a:ext uri="{0D108BD9-81ED-4DB2-BD59-A6C34878D82A}">
+                    <a16:rowId xmlns:a16="http://schemas.microsoft.com/office/drawing/2014/main" val="65508572"/>
+                  </a:ext>
+                </a:extLst>
+              </a:tr>
+              <a:tr h="0">
+                <a:tc>
+                  <a:txBody>
+                    <a:bodyPr/>
+                    <a:lstStyle/>
+                    <a:p>
+                      <a:pPr algn="ctr" rtl="0">
+                        <a:buNone/>
+                      </a:pPr>
+                      <a:r>
+                        <a:rPr lang="en-IN" b="1" i="0">
+                          <a:solidFill>
+                            <a:srgbClr val="000000"/>
+                          </a:solidFill>
+                          <a:effectLst/>
+                        </a:rPr>
+                        <a:t>NumberOfRotors</a:t>
+                      </a:r>
+                      <a:endParaRPr lang="en-IN">
+                        <a:effectLst/>
+                      </a:endParaRPr>
+                    </a:p>
+                  </a:txBody>
+                  <a:tcPr anchor="ctr">
+                    <a:lnL w="7620" cap="flat" cmpd="sng" algn="ctr">
+                      <a:solidFill>
+                        <a:srgbClr val="000000"/>
+                      </a:solidFill>
+                      <a:prstDash val="solid"/>
+                      <a:round/>
+                      <a:headEnd type="none" w="med" len="med"/>
+                      <a:tailEnd type="none" w="med" len="med"/>
+                    </a:lnL>
+                    <a:lnR w="7620" cap="flat" cmpd="sng" algn="ctr">
+                      <a:solidFill>
+                        <a:srgbClr val="000000"/>
+                      </a:solidFill>
+                      <a:prstDash val="solid"/>
+                      <a:round/>
+                      <a:headEnd type="none" w="med" len="med"/>
+                      <a:tailEnd type="none" w="med" len="med"/>
+                    </a:lnR>
+                    <a:lnT w="7620" cap="flat" cmpd="sng" algn="ctr">
+                      <a:solidFill>
+                        <a:srgbClr val="000000"/>
+                      </a:solidFill>
+                      <a:prstDash val="solid"/>
+                      <a:round/>
+                      <a:headEnd type="none" w="med" len="med"/>
+                      <a:tailEnd type="none" w="med" len="med"/>
+                    </a:lnT>
+                    <a:lnB w="7620" cap="flat" cmpd="sng" algn="ctr">
+                      <a:solidFill>
+                        <a:srgbClr val="000000"/>
+                      </a:solidFill>
+                      <a:prstDash val="solid"/>
+                      <a:round/>
+                      <a:headEnd type="none" w="med" len="med"/>
+                      <a:tailEnd type="none" w="med" len="med"/>
+                    </a:lnB>
+                    <a:noFill/>
+                  </a:tcPr>
+                </a:tc>
+                <a:tc>
+                  <a:txBody>
+                    <a:bodyPr/>
+                    <a:lstStyle/>
+                    <a:p>
+                      <a:pPr algn="ctr" rtl="0">
+                        <a:buNone/>
+                      </a:pPr>
+                      <a:r>
+                        <a:rPr lang="en-IN" b="1" i="0">
+                          <a:solidFill>
+                            <a:srgbClr val="000000"/>
+                          </a:solidFill>
+                          <a:effectLst/>
+                        </a:rPr>
+                        <a:t>8</a:t>
+                      </a:r>
+                      <a:endParaRPr lang="en-IN">
+                        <a:effectLst/>
+                      </a:endParaRPr>
+                    </a:p>
+                  </a:txBody>
+                  <a:tcPr anchor="ctr">
+                    <a:lnL w="7620" cap="flat" cmpd="sng" algn="ctr">
+                      <a:solidFill>
+                        <a:srgbClr val="000000"/>
+                      </a:solidFill>
+                      <a:prstDash val="solid"/>
+                      <a:round/>
+                      <a:headEnd type="none" w="med" len="med"/>
+                      <a:tailEnd type="none" w="med" len="med"/>
+                    </a:lnL>
+                    <a:lnR w="7620" cap="flat" cmpd="sng" algn="ctr">
+                      <a:solidFill>
+                        <a:srgbClr val="000000"/>
+                      </a:solidFill>
+                      <a:prstDash val="solid"/>
+                      <a:round/>
+                      <a:headEnd type="none" w="med" len="med"/>
+                      <a:tailEnd type="none" w="med" len="med"/>
+                    </a:lnR>
+                    <a:lnT w="7620" cap="flat" cmpd="sng" algn="ctr">
+                      <a:solidFill>
+                        <a:srgbClr val="000000"/>
+                      </a:solidFill>
+                      <a:prstDash val="solid"/>
+                      <a:round/>
+                      <a:headEnd type="none" w="med" len="med"/>
+                      <a:tailEnd type="none" w="med" len="med"/>
+                    </a:lnT>
+                    <a:lnB w="7620" cap="flat" cmpd="sng" algn="ctr">
+                      <a:solidFill>
+                        <a:srgbClr val="000000"/>
+                      </a:solidFill>
+                      <a:prstDash val="solid"/>
+                      <a:round/>
+                      <a:headEnd type="none" w="med" len="med"/>
+                      <a:tailEnd type="none" w="med" len="med"/>
+                    </a:lnB>
+                    <a:noFill/>
+                  </a:tcPr>
+                </a:tc>
+                <a:tc>
+                  <a:txBody>
+                    <a:bodyPr/>
+                    <a:lstStyle/>
+                    <a:p>
+                      <a:pPr algn="ctr" rtl="0">
+                        <a:buNone/>
+                      </a:pPr>
+                      <a:r>
+                        <a:rPr lang="en-IN" b="1" i="0">
+                          <a:solidFill>
+                            <a:srgbClr val="000000"/>
+                          </a:solidFill>
+                          <a:effectLst/>
+                        </a:rPr>
+                        <a:t>GrossWeight</a:t>
+                      </a:r>
+                      <a:endParaRPr lang="en-IN">
+                        <a:effectLst/>
+                      </a:endParaRPr>
+                    </a:p>
+                  </a:txBody>
+                  <a:tcPr anchor="ctr">
+                    <a:lnL w="7620" cap="flat" cmpd="sng" algn="ctr">
+                      <a:solidFill>
+                        <a:srgbClr val="000000"/>
+                      </a:solidFill>
+                      <a:prstDash val="solid"/>
+                      <a:round/>
+                      <a:headEnd type="none" w="med" len="med"/>
+                      <a:tailEnd type="none" w="med" len="med"/>
+                    </a:lnL>
+                    <a:lnR w="7620" cap="flat" cmpd="sng" algn="ctr">
+                      <a:solidFill>
+                        <a:srgbClr val="000000"/>
+                      </a:solidFill>
+                      <a:prstDash val="solid"/>
+                      <a:round/>
+                      <a:headEnd type="none" w="med" len="med"/>
+                      <a:tailEnd type="none" w="med" len="med"/>
+                    </a:lnR>
+                    <a:lnT w="7620" cap="flat" cmpd="sng" algn="ctr">
+                      <a:solidFill>
+                        <a:srgbClr val="000000"/>
+                      </a:solidFill>
+                      <a:prstDash val="solid"/>
+                      <a:round/>
+                      <a:headEnd type="none" w="med" len="med"/>
+                      <a:tailEnd type="none" w="med" len="med"/>
+                    </a:lnT>
+                    <a:lnB w="7620" cap="flat" cmpd="sng" algn="ctr">
+                      <a:solidFill>
+                        <a:srgbClr val="000000"/>
+                      </a:solidFill>
+                      <a:prstDash val="solid"/>
+                      <a:round/>
+                      <a:headEnd type="none" w="med" len="med"/>
+                      <a:tailEnd type="none" w="med" len="med"/>
+                    </a:lnB>
+                    <a:noFill/>
+                  </a:tcPr>
+                </a:tc>
+                <a:tc>
+                  <a:txBody>
+                    <a:bodyPr/>
+                    <a:lstStyle/>
+                    <a:p>
+                      <a:pPr algn="ctr" rtl="0">
+                        <a:buNone/>
+                      </a:pPr>
+                      <a:r>
+                        <a:rPr lang="en-IN" b="1" i="0" dirty="0">
+                          <a:solidFill>
+                            <a:srgbClr val="000000"/>
+                          </a:solidFill>
+                          <a:effectLst/>
+                        </a:rPr>
+                        <a:t>&lt; 700 Kg</a:t>
+                      </a:r>
+                      <a:endParaRPr lang="en-IN" dirty="0">
+                        <a:effectLst/>
+                      </a:endParaRPr>
+                    </a:p>
+                  </a:txBody>
+                  <a:tcPr anchor="ctr">
+                    <a:lnL w="7620" cap="flat" cmpd="sng" algn="ctr">
+                      <a:solidFill>
+                        <a:srgbClr val="000000"/>
+                      </a:solidFill>
+                      <a:prstDash val="solid"/>
+                      <a:round/>
+                      <a:headEnd type="none" w="med" len="med"/>
+                      <a:tailEnd type="none" w="med" len="med"/>
+                    </a:lnL>
+                    <a:lnR w="7620" cap="flat" cmpd="sng" algn="ctr">
+                      <a:solidFill>
+                        <a:srgbClr val="000000"/>
+                      </a:solidFill>
+                      <a:prstDash val="solid"/>
+                      <a:round/>
+                      <a:headEnd type="none" w="med" len="med"/>
+                      <a:tailEnd type="none" w="med" len="med"/>
+                    </a:lnR>
+                    <a:lnT w="7620" cap="flat" cmpd="sng" algn="ctr">
+                      <a:solidFill>
+                        <a:srgbClr val="000000"/>
+                      </a:solidFill>
+                      <a:prstDash val="solid"/>
+                      <a:round/>
+                      <a:headEnd type="none" w="med" len="med"/>
+                      <a:tailEnd type="none" w="med" len="med"/>
+                    </a:lnT>
+                    <a:lnB w="7620" cap="flat" cmpd="sng" algn="ctr">
+                      <a:solidFill>
+                        <a:srgbClr val="000000"/>
+                      </a:solidFill>
+                      <a:prstDash val="solid"/>
+                      <a:round/>
+                      <a:headEnd type="none" w="med" len="med"/>
+                      <a:tailEnd type="none" w="med" len="med"/>
+                    </a:lnB>
+                    <a:noFill/>
+                  </a:tcPr>
+                </a:tc>
+                <a:extLst>
+                  <a:ext uri="{0D108BD9-81ED-4DB2-BD59-A6C34878D82A}">
+                    <a16:rowId xmlns:a16="http://schemas.microsoft.com/office/drawing/2014/main" val="1832012941"/>
+                  </a:ext>
+                </a:extLst>
+              </a:tr>
+              <a:tr h="0">
+                <a:tc>
+                  <a:txBody>
+                    <a:bodyPr/>
+                    <a:lstStyle/>
+                    <a:p>
+                      <a:pPr algn="ctr" rtl="0">
+                        <a:buNone/>
+                      </a:pPr>
+                      <a:r>
+                        <a:rPr lang="en-IN" b="1" i="0">
+                          <a:solidFill>
+                            <a:srgbClr val="000000"/>
+                          </a:solidFill>
+                          <a:effectLst/>
+                        </a:rPr>
+                        <a:t>Radius</a:t>
+                      </a:r>
+                      <a:endParaRPr lang="en-IN">
+                        <a:effectLst/>
+                      </a:endParaRPr>
+                    </a:p>
+                  </a:txBody>
+                  <a:tcPr anchor="ctr">
+                    <a:lnL w="7620" cap="flat" cmpd="sng" algn="ctr">
+                      <a:solidFill>
+                        <a:srgbClr val="000000"/>
+                      </a:solidFill>
+                      <a:prstDash val="solid"/>
+                      <a:round/>
+                      <a:headEnd type="none" w="med" len="med"/>
+                      <a:tailEnd type="none" w="med" len="med"/>
+                    </a:lnL>
+                    <a:lnR w="7620" cap="flat" cmpd="sng" algn="ctr">
+                      <a:solidFill>
+                        <a:srgbClr val="000000"/>
+                      </a:solidFill>
+                      <a:prstDash val="solid"/>
+                      <a:round/>
+                      <a:headEnd type="none" w="med" len="med"/>
+                      <a:tailEnd type="none" w="med" len="med"/>
+                    </a:lnR>
+                    <a:lnT w="7620" cap="flat" cmpd="sng" algn="ctr">
+                      <a:solidFill>
+                        <a:srgbClr val="000000"/>
+                      </a:solidFill>
+                      <a:prstDash val="solid"/>
+                      <a:round/>
+                      <a:headEnd type="none" w="med" len="med"/>
+                      <a:tailEnd type="none" w="med" len="med"/>
+                    </a:lnT>
+                    <a:lnB w="7620" cap="flat" cmpd="sng" algn="ctr">
+                      <a:solidFill>
+                        <a:srgbClr val="000000"/>
+                      </a:solidFill>
+                      <a:prstDash val="solid"/>
+                      <a:round/>
+                      <a:headEnd type="none" w="med" len="med"/>
+                      <a:tailEnd type="none" w="med" len="med"/>
+                    </a:lnB>
+                    <a:noFill/>
+                  </a:tcPr>
+                </a:tc>
+                <a:tc>
+                  <a:txBody>
+                    <a:bodyPr/>
+                    <a:lstStyle/>
+                    <a:p>
+                      <a:pPr algn="ctr" rtl="0">
+                        <a:buNone/>
+                      </a:pPr>
+                      <a:r>
+                        <a:rPr lang="en-IN" b="1" i="0" dirty="0">
+                          <a:solidFill>
+                            <a:srgbClr val="000000"/>
+                          </a:solidFill>
+                          <a:effectLst/>
+                        </a:rPr>
+                        <a:t>0.85:0.05:1.2 m</a:t>
+                      </a:r>
+                      <a:endParaRPr lang="en-IN" dirty="0">
+                        <a:effectLst/>
+                      </a:endParaRPr>
+                    </a:p>
+                  </a:txBody>
+                  <a:tcPr anchor="ctr">
+                    <a:lnL w="7620" cap="flat" cmpd="sng" algn="ctr">
+                      <a:solidFill>
+                        <a:srgbClr val="000000"/>
+                      </a:solidFill>
+                      <a:prstDash val="solid"/>
+                      <a:round/>
+                      <a:headEnd type="none" w="med" len="med"/>
+                      <a:tailEnd type="none" w="med" len="med"/>
+                    </a:lnL>
+                    <a:lnR w="7620" cap="flat" cmpd="sng" algn="ctr">
+                      <a:solidFill>
+                        <a:srgbClr val="000000"/>
+                      </a:solidFill>
+                      <a:prstDash val="solid"/>
+                      <a:round/>
+                      <a:headEnd type="none" w="med" len="med"/>
+                      <a:tailEnd type="none" w="med" len="med"/>
+                    </a:lnR>
+                    <a:lnT w="7620" cap="flat" cmpd="sng" algn="ctr">
+                      <a:solidFill>
+                        <a:srgbClr val="000000"/>
+                      </a:solidFill>
+                      <a:prstDash val="solid"/>
+                      <a:round/>
+                      <a:headEnd type="none" w="med" len="med"/>
+                      <a:tailEnd type="none" w="med" len="med"/>
+                    </a:lnT>
+                    <a:lnB w="7620" cap="flat" cmpd="sng" algn="ctr">
+                      <a:solidFill>
+                        <a:srgbClr val="000000"/>
+                      </a:solidFill>
+                      <a:prstDash val="solid"/>
+                      <a:round/>
+                      <a:headEnd type="none" w="med" len="med"/>
+                      <a:tailEnd type="none" w="med" len="med"/>
+                    </a:lnB>
+                    <a:noFill/>
+                  </a:tcPr>
+                </a:tc>
+                <a:tc>
+                  <a:txBody>
+                    <a:bodyPr/>
+                    <a:lstStyle/>
+                    <a:p>
+                      <a:pPr algn="ctr" rtl="0">
+                        <a:buNone/>
+                      </a:pPr>
+                      <a:r>
+                        <a:rPr lang="en-IN" b="1" i="0">
+                          <a:solidFill>
+                            <a:srgbClr val="000000"/>
+                          </a:solidFill>
+                          <a:effectLst/>
+                        </a:rPr>
+                        <a:t>Total Energy</a:t>
+                      </a:r>
+                      <a:endParaRPr lang="en-IN">
+                        <a:effectLst/>
+                      </a:endParaRPr>
+                    </a:p>
+                  </a:txBody>
+                  <a:tcPr anchor="ctr">
+                    <a:lnL w="7620" cap="flat" cmpd="sng" algn="ctr">
+                      <a:solidFill>
+                        <a:srgbClr val="000000"/>
+                      </a:solidFill>
+                      <a:prstDash val="solid"/>
+                      <a:round/>
+                      <a:headEnd type="none" w="med" len="med"/>
+                      <a:tailEnd type="none" w="med" len="med"/>
+                    </a:lnL>
+                    <a:lnR w="7620" cap="flat" cmpd="sng" algn="ctr">
+                      <a:solidFill>
+                        <a:srgbClr val="000000"/>
+                      </a:solidFill>
+                      <a:prstDash val="solid"/>
+                      <a:round/>
+                      <a:headEnd type="none" w="med" len="med"/>
+                      <a:tailEnd type="none" w="med" len="med"/>
+                    </a:lnR>
+                    <a:lnT w="7620" cap="flat" cmpd="sng" algn="ctr">
+                      <a:solidFill>
+                        <a:srgbClr val="000000"/>
+                      </a:solidFill>
+                      <a:prstDash val="solid"/>
+                      <a:round/>
+                      <a:headEnd type="none" w="med" len="med"/>
+                      <a:tailEnd type="none" w="med" len="med"/>
+                    </a:lnT>
+                    <a:lnB w="7620" cap="flat" cmpd="sng" algn="ctr">
+                      <a:solidFill>
+                        <a:srgbClr val="000000"/>
+                      </a:solidFill>
+                      <a:prstDash val="solid"/>
+                      <a:round/>
+                      <a:headEnd type="none" w="med" len="med"/>
+                      <a:tailEnd type="none" w="med" len="med"/>
+                    </a:lnB>
+                    <a:noFill/>
+                  </a:tcPr>
+                </a:tc>
+                <a:tc>
+                  <a:txBody>
+                    <a:bodyPr/>
+                    <a:lstStyle/>
+                    <a:p>
+                      <a:pPr algn="ctr" rtl="0">
+                        <a:buNone/>
+                      </a:pPr>
+                      <a:r>
+                        <a:rPr lang="en-IN" b="1" i="0" dirty="0">
+                          <a:solidFill>
+                            <a:srgbClr val="000000"/>
+                          </a:solidFill>
+                          <a:effectLst/>
+                        </a:rPr>
+                        <a:t>~50 KW Hr</a:t>
+                      </a:r>
+                      <a:endParaRPr lang="en-IN" dirty="0">
+                        <a:effectLst/>
+                      </a:endParaRPr>
+                    </a:p>
+                  </a:txBody>
+                  <a:tcPr anchor="ctr">
+                    <a:lnL w="7620" cap="flat" cmpd="sng" algn="ctr">
+                      <a:solidFill>
+                        <a:srgbClr val="000000"/>
+                      </a:solidFill>
+                      <a:prstDash val="solid"/>
+                      <a:round/>
+                      <a:headEnd type="none" w="med" len="med"/>
+                      <a:tailEnd type="none" w="med" len="med"/>
+                    </a:lnL>
+                    <a:lnR w="7620" cap="flat" cmpd="sng" algn="ctr">
+                      <a:solidFill>
+                        <a:srgbClr val="000000"/>
+                      </a:solidFill>
+                      <a:prstDash val="solid"/>
+                      <a:round/>
+                      <a:headEnd type="none" w="med" len="med"/>
+                      <a:tailEnd type="none" w="med" len="med"/>
+                    </a:lnR>
+                    <a:lnT w="7620" cap="flat" cmpd="sng" algn="ctr">
+                      <a:solidFill>
+                        <a:srgbClr val="000000"/>
+                      </a:solidFill>
+                      <a:prstDash val="solid"/>
+                      <a:round/>
+                      <a:headEnd type="none" w="med" len="med"/>
+                      <a:tailEnd type="none" w="med" len="med"/>
+                    </a:lnT>
+                    <a:lnB w="7620" cap="flat" cmpd="sng" algn="ctr">
+                      <a:solidFill>
+                        <a:srgbClr val="000000"/>
+                      </a:solidFill>
+                      <a:prstDash val="solid"/>
+                      <a:round/>
+                      <a:headEnd type="none" w="med" len="med"/>
+                      <a:tailEnd type="none" w="med" len="med"/>
+                    </a:lnB>
+                    <a:noFill/>
+                  </a:tcPr>
+                </a:tc>
+                <a:extLst>
+                  <a:ext uri="{0D108BD9-81ED-4DB2-BD59-A6C34878D82A}">
+                    <a16:rowId xmlns:a16="http://schemas.microsoft.com/office/drawing/2014/main" val="178122397"/>
+                  </a:ext>
+                </a:extLst>
+              </a:tr>
+              <a:tr h="0">
+                <a:tc>
+                  <a:txBody>
+                    <a:bodyPr/>
+                    <a:lstStyle/>
+                    <a:p>
+                      <a:pPr algn="ctr" rtl="0">
+                        <a:buNone/>
+                      </a:pPr>
+                      <a:r>
+                        <a:rPr lang="en-IN" b="1" i="0">
+                          <a:solidFill>
+                            <a:srgbClr val="000000"/>
+                          </a:solidFill>
+                          <a:effectLst/>
+                        </a:rPr>
+                        <a:t>RPM</a:t>
+                      </a:r>
+                      <a:endParaRPr lang="en-IN">
+                        <a:effectLst/>
+                      </a:endParaRPr>
+                    </a:p>
+                  </a:txBody>
+                  <a:tcPr anchor="ctr">
+                    <a:lnL w="7620" cap="flat" cmpd="sng" algn="ctr">
+                      <a:solidFill>
+                        <a:srgbClr val="000000"/>
+                      </a:solidFill>
+                      <a:prstDash val="solid"/>
+                      <a:round/>
+                      <a:headEnd type="none" w="med" len="med"/>
+                      <a:tailEnd type="none" w="med" len="med"/>
+                    </a:lnL>
+                    <a:lnR w="7620" cap="flat" cmpd="sng" algn="ctr">
+                      <a:solidFill>
+                        <a:srgbClr val="000000"/>
+                      </a:solidFill>
+                      <a:prstDash val="solid"/>
+                      <a:round/>
+                      <a:headEnd type="none" w="med" len="med"/>
+                      <a:tailEnd type="none" w="med" len="med"/>
+                    </a:lnR>
+                    <a:lnT w="7620" cap="flat" cmpd="sng" algn="ctr">
+                      <a:solidFill>
+                        <a:srgbClr val="000000"/>
+                      </a:solidFill>
+                      <a:prstDash val="solid"/>
+                      <a:round/>
+                      <a:headEnd type="none" w="med" len="med"/>
+                      <a:tailEnd type="none" w="med" len="med"/>
+                    </a:lnT>
+                    <a:lnB w="7620" cap="flat" cmpd="sng" algn="ctr">
+                      <a:solidFill>
+                        <a:srgbClr val="000000"/>
+                      </a:solidFill>
+                      <a:prstDash val="solid"/>
+                      <a:round/>
+                      <a:headEnd type="none" w="med" len="med"/>
+                      <a:tailEnd type="none" w="med" len="med"/>
+                    </a:lnB>
+                    <a:noFill/>
+                  </a:tcPr>
+                </a:tc>
+                <a:tc>
+                  <a:txBody>
+                    <a:bodyPr/>
+                    <a:lstStyle/>
+                    <a:p>
+                      <a:pPr algn="ctr" rtl="0">
+                        <a:buNone/>
+                      </a:pPr>
+                      <a:r>
+                        <a:rPr lang="en-IN" b="1" i="0" dirty="0">
+                          <a:solidFill>
+                            <a:srgbClr val="000000"/>
+                          </a:solidFill>
+                          <a:effectLst/>
+                        </a:rPr>
+                        <a:t>2000:500:8000</a:t>
+                      </a:r>
+                      <a:endParaRPr lang="en-IN" dirty="0">
+                        <a:effectLst/>
+                      </a:endParaRPr>
+                    </a:p>
+                  </a:txBody>
+                  <a:tcPr anchor="ctr">
+                    <a:lnL w="7620" cap="flat" cmpd="sng" algn="ctr">
+                      <a:solidFill>
+                        <a:srgbClr val="000000"/>
+                      </a:solidFill>
+                      <a:prstDash val="solid"/>
+                      <a:round/>
+                      <a:headEnd type="none" w="med" len="med"/>
+                      <a:tailEnd type="none" w="med" len="med"/>
+                    </a:lnL>
+                    <a:lnR w="7620" cap="flat" cmpd="sng" algn="ctr">
+                      <a:solidFill>
+                        <a:srgbClr val="000000"/>
+                      </a:solidFill>
+                      <a:prstDash val="solid"/>
+                      <a:round/>
+                      <a:headEnd type="none" w="med" len="med"/>
+                      <a:tailEnd type="none" w="med" len="med"/>
+                    </a:lnR>
+                    <a:lnT w="7620" cap="flat" cmpd="sng" algn="ctr">
+                      <a:solidFill>
+                        <a:srgbClr val="000000"/>
+                      </a:solidFill>
+                      <a:prstDash val="solid"/>
+                      <a:round/>
+                      <a:headEnd type="none" w="med" len="med"/>
+                      <a:tailEnd type="none" w="med" len="med"/>
+                    </a:lnT>
+                    <a:lnB w="7620" cap="flat" cmpd="sng" algn="ctr">
+                      <a:solidFill>
+                        <a:srgbClr val="000000"/>
+                      </a:solidFill>
+                      <a:prstDash val="solid"/>
+                      <a:round/>
+                      <a:headEnd type="none" w="med" len="med"/>
+                      <a:tailEnd type="none" w="med" len="med"/>
+                    </a:lnB>
+                    <a:noFill/>
+                  </a:tcPr>
+                </a:tc>
+                <a:tc>
+                  <a:txBody>
+                    <a:bodyPr/>
+                    <a:lstStyle/>
+                    <a:p>
+                      <a:pPr algn="ctr" rtl="0">
+                        <a:buNone/>
+                      </a:pPr>
+                      <a:r>
+                        <a:rPr lang="en-IN" b="1" i="0" dirty="0">
+                          <a:solidFill>
+                            <a:srgbClr val="000000"/>
+                          </a:solidFill>
+                          <a:effectLst/>
+                        </a:rPr>
+                        <a:t>Twist</a:t>
+                      </a:r>
+                      <a:endParaRPr lang="en-IN" dirty="0">
+                        <a:effectLst/>
+                      </a:endParaRPr>
+                    </a:p>
+                  </a:txBody>
+                  <a:tcPr anchor="ctr">
+                    <a:lnL w="7620" cap="flat" cmpd="sng" algn="ctr">
+                      <a:solidFill>
+                        <a:srgbClr val="000000"/>
+                      </a:solidFill>
+                      <a:prstDash val="solid"/>
+                      <a:round/>
+                      <a:headEnd type="none" w="med" len="med"/>
+                      <a:tailEnd type="none" w="med" len="med"/>
+                    </a:lnL>
+                    <a:lnR w="7620" cap="flat" cmpd="sng" algn="ctr">
+                      <a:solidFill>
+                        <a:srgbClr val="000000"/>
+                      </a:solidFill>
+                      <a:prstDash val="solid"/>
+                      <a:round/>
+                      <a:headEnd type="none" w="med" len="med"/>
+                      <a:tailEnd type="none" w="med" len="med"/>
+                    </a:lnR>
+                    <a:lnT w="7620" cap="flat" cmpd="sng" algn="ctr">
+                      <a:solidFill>
+                        <a:srgbClr val="000000"/>
+                      </a:solidFill>
+                      <a:prstDash val="solid"/>
+                      <a:round/>
+                      <a:headEnd type="none" w="med" len="med"/>
+                      <a:tailEnd type="none" w="med" len="med"/>
+                    </a:lnT>
+                    <a:lnB w="7620" cap="flat" cmpd="sng" algn="ctr">
+                      <a:solidFill>
+                        <a:srgbClr val="000000"/>
+                      </a:solidFill>
+                      <a:prstDash val="solid"/>
+                      <a:round/>
+                      <a:headEnd type="none" w="med" len="med"/>
+                      <a:tailEnd type="none" w="med" len="med"/>
+                    </a:lnB>
+                    <a:noFill/>
+                  </a:tcPr>
+                </a:tc>
+                <a:tc>
+                  <a:txBody>
+                    <a:bodyPr/>
+                    <a:lstStyle/>
+                    <a:p>
+                      <a:pPr algn="ctr" rtl="0">
+                        <a:buNone/>
+                      </a:pPr>
+                      <a:r>
+                        <a:rPr lang="en-IN" b="1" i="0" dirty="0">
+                          <a:solidFill>
+                            <a:srgbClr val="000000"/>
+                          </a:solidFill>
+                          <a:effectLst/>
+                        </a:rPr>
+                        <a:t>-16 degrees</a:t>
+                      </a:r>
+                      <a:endParaRPr lang="en-IN" dirty="0">
+                        <a:effectLst/>
+                      </a:endParaRPr>
+                    </a:p>
+                  </a:txBody>
+                  <a:tcPr anchor="ctr">
+                    <a:lnL w="7620" cap="flat" cmpd="sng" algn="ctr">
+                      <a:solidFill>
+                        <a:srgbClr val="000000"/>
+                      </a:solidFill>
+                      <a:prstDash val="solid"/>
+                      <a:round/>
+                      <a:headEnd type="none" w="med" len="med"/>
+                      <a:tailEnd type="none" w="med" len="med"/>
+                    </a:lnL>
+                    <a:lnR w="7620" cap="flat" cmpd="sng" algn="ctr">
+                      <a:solidFill>
+                        <a:srgbClr val="000000"/>
+                      </a:solidFill>
+                      <a:prstDash val="solid"/>
+                      <a:round/>
+                      <a:headEnd type="none" w="med" len="med"/>
+                      <a:tailEnd type="none" w="med" len="med"/>
+                    </a:lnR>
+                    <a:lnT w="7620" cap="flat" cmpd="sng" algn="ctr">
+                      <a:solidFill>
+                        <a:srgbClr val="000000"/>
+                      </a:solidFill>
+                      <a:prstDash val="solid"/>
+                      <a:round/>
+                      <a:headEnd type="none" w="med" len="med"/>
+                      <a:tailEnd type="none" w="med" len="med"/>
+                    </a:lnT>
+                    <a:lnB w="7620" cap="flat" cmpd="sng" algn="ctr">
+                      <a:solidFill>
+                        <a:srgbClr val="000000"/>
+                      </a:solidFill>
+                      <a:prstDash val="solid"/>
+                      <a:round/>
+                      <a:headEnd type="none" w="med" len="med"/>
+                      <a:tailEnd type="none" w="med" len="med"/>
+                    </a:lnB>
+                    <a:noFill/>
+                  </a:tcPr>
+                </a:tc>
+                <a:extLst>
+                  <a:ext uri="{0D108BD9-81ED-4DB2-BD59-A6C34878D82A}">
+                    <a16:rowId xmlns:a16="http://schemas.microsoft.com/office/drawing/2014/main" val="1421884254"/>
+                  </a:ext>
+                </a:extLst>
+              </a:tr>
+              <a:tr h="0">
+                <a:tc>
+                  <a:txBody>
+                    <a:bodyPr/>
+                    <a:lstStyle/>
+                    <a:p>
+                      <a:pPr algn="ctr" rtl="0">
+                        <a:buNone/>
+                      </a:pPr>
+                      <a:r>
+                        <a:rPr lang="en-IN" b="1" i="0" dirty="0">
+                          <a:solidFill>
+                            <a:srgbClr val="000000"/>
+                          </a:solidFill>
+                          <a:effectLst/>
+                        </a:rPr>
+                        <a:t>Descent Speed</a:t>
+                      </a:r>
+                      <a:endParaRPr lang="en-IN" dirty="0">
+                        <a:effectLst/>
+                      </a:endParaRPr>
+                    </a:p>
+                  </a:txBody>
+                  <a:tcPr anchor="ctr">
+                    <a:lnL w="7620" cap="flat" cmpd="sng" algn="ctr">
+                      <a:solidFill>
+                        <a:srgbClr val="000000"/>
+                      </a:solidFill>
+                      <a:prstDash val="solid"/>
+                      <a:round/>
+                      <a:headEnd type="none" w="med" len="med"/>
+                      <a:tailEnd type="none" w="med" len="med"/>
+                    </a:lnL>
+                    <a:lnR w="7620" cap="flat" cmpd="sng" algn="ctr">
+                      <a:solidFill>
+                        <a:srgbClr val="000000"/>
+                      </a:solidFill>
+                      <a:prstDash val="solid"/>
+                      <a:round/>
+                      <a:headEnd type="none" w="med" len="med"/>
+                      <a:tailEnd type="none" w="med" len="med"/>
+                    </a:lnR>
+                    <a:lnT w="7620" cap="flat" cmpd="sng" algn="ctr">
+                      <a:solidFill>
+                        <a:srgbClr val="000000"/>
+                      </a:solidFill>
+                      <a:prstDash val="solid"/>
+                      <a:round/>
+                      <a:headEnd type="none" w="med" len="med"/>
+                      <a:tailEnd type="none" w="med" len="med"/>
+                    </a:lnT>
+                    <a:lnB w="7620" cap="flat" cmpd="sng" algn="ctr">
+                      <a:solidFill>
+                        <a:srgbClr val="000000"/>
+                      </a:solidFill>
+                      <a:prstDash val="solid"/>
+                      <a:round/>
+                      <a:headEnd type="none" w="med" len="med"/>
+                      <a:tailEnd type="none" w="med" len="med"/>
+                    </a:lnB>
+                    <a:noFill/>
+                  </a:tcPr>
+                </a:tc>
+                <a:tc>
+                  <a:txBody>
+                    <a:bodyPr/>
+                    <a:lstStyle/>
+                    <a:p>
+                      <a:pPr algn="ctr" rtl="0">
+                        <a:buNone/>
+                      </a:pPr>
+                      <a:r>
+                        <a:rPr lang="en-IN" b="1" i="0" dirty="0">
+                          <a:solidFill>
+                            <a:srgbClr val="000000"/>
+                          </a:solidFill>
+                          <a:effectLst/>
+                        </a:rPr>
+                        <a:t>-0.5m/s</a:t>
+                      </a:r>
+                      <a:endParaRPr lang="en-IN" dirty="0">
+                        <a:effectLst/>
+                      </a:endParaRPr>
+                    </a:p>
+                  </a:txBody>
+                  <a:tcPr anchor="ctr">
+                    <a:lnL w="7620" cap="flat" cmpd="sng" algn="ctr">
+                      <a:solidFill>
+                        <a:srgbClr val="000000"/>
+                      </a:solidFill>
+                      <a:prstDash val="solid"/>
+                      <a:round/>
+                      <a:headEnd type="none" w="med" len="med"/>
+                      <a:tailEnd type="none" w="med" len="med"/>
+                    </a:lnL>
+                    <a:lnR w="7620" cap="flat" cmpd="sng" algn="ctr">
+                      <a:solidFill>
+                        <a:srgbClr val="000000"/>
+                      </a:solidFill>
+                      <a:prstDash val="solid"/>
+                      <a:round/>
+                      <a:headEnd type="none" w="med" len="med"/>
+                      <a:tailEnd type="none" w="med" len="med"/>
+                    </a:lnR>
+                    <a:lnT w="7620" cap="flat" cmpd="sng" algn="ctr">
+                      <a:solidFill>
+                        <a:srgbClr val="000000"/>
+                      </a:solidFill>
+                      <a:prstDash val="solid"/>
+                      <a:round/>
+                      <a:headEnd type="none" w="med" len="med"/>
+                      <a:tailEnd type="none" w="med" len="med"/>
+                    </a:lnT>
+                    <a:lnB w="7620" cap="flat" cmpd="sng" algn="ctr">
+                      <a:solidFill>
+                        <a:srgbClr val="000000"/>
+                      </a:solidFill>
+                      <a:prstDash val="solid"/>
+                      <a:round/>
+                      <a:headEnd type="none" w="med" len="med"/>
+                      <a:tailEnd type="none" w="med" len="med"/>
+                    </a:lnB>
+                    <a:noFill/>
+                  </a:tcPr>
+                </a:tc>
+                <a:tc>
+                  <a:txBody>
+                    <a:bodyPr/>
+                    <a:lstStyle/>
+                    <a:p>
+                      <a:pPr algn="ctr" rtl="0">
+                        <a:buNone/>
+                      </a:pPr>
+                      <a:r>
+                        <a:rPr lang="en-IN" b="1" i="0">
+                          <a:solidFill>
+                            <a:srgbClr val="000000"/>
+                          </a:solidFill>
+                          <a:effectLst/>
+                        </a:rPr>
+                        <a:t>CollectiveInDegrees</a:t>
+                      </a:r>
+                      <a:endParaRPr lang="en-IN">
+                        <a:effectLst/>
+                      </a:endParaRPr>
+                    </a:p>
+                  </a:txBody>
+                  <a:tcPr anchor="ctr">
+                    <a:lnL w="7620" cap="flat" cmpd="sng" algn="ctr">
+                      <a:solidFill>
+                        <a:srgbClr val="000000"/>
+                      </a:solidFill>
+                      <a:prstDash val="solid"/>
+                      <a:round/>
+                      <a:headEnd type="none" w="med" len="med"/>
+                      <a:tailEnd type="none" w="med" len="med"/>
+                    </a:lnL>
+                    <a:lnR w="7620" cap="flat" cmpd="sng" algn="ctr">
+                      <a:solidFill>
+                        <a:srgbClr val="000000"/>
+                      </a:solidFill>
+                      <a:prstDash val="solid"/>
+                      <a:round/>
+                      <a:headEnd type="none" w="med" len="med"/>
+                      <a:tailEnd type="none" w="med" len="med"/>
+                    </a:lnR>
+                    <a:lnT w="7620" cap="flat" cmpd="sng" algn="ctr">
+                      <a:solidFill>
+                        <a:srgbClr val="000000"/>
+                      </a:solidFill>
+                      <a:prstDash val="solid"/>
+                      <a:round/>
+                      <a:headEnd type="none" w="med" len="med"/>
+                      <a:tailEnd type="none" w="med" len="med"/>
+                    </a:lnT>
+                    <a:lnB w="7620" cap="flat" cmpd="sng" algn="ctr">
+                      <a:solidFill>
+                        <a:srgbClr val="000000"/>
+                      </a:solidFill>
+                      <a:prstDash val="solid"/>
+                      <a:round/>
+                      <a:headEnd type="none" w="med" len="med"/>
+                      <a:tailEnd type="none" w="med" len="med"/>
+                    </a:lnB>
+                    <a:noFill/>
+                  </a:tcPr>
+                </a:tc>
+                <a:tc>
+                  <a:txBody>
+                    <a:bodyPr/>
+                    <a:lstStyle/>
+                    <a:p>
+                      <a:pPr algn="ctr" rtl="0">
+                        <a:buNone/>
+                      </a:pPr>
+                      <a:r>
+                        <a:rPr lang="en-IN" b="1" i="0" dirty="0">
+                          <a:solidFill>
+                            <a:srgbClr val="000000"/>
+                          </a:solidFill>
+                          <a:effectLst/>
+                        </a:rPr>
+                        <a:t>~18-22 </a:t>
+                      </a:r>
+                      <a:endParaRPr lang="en-IN" dirty="0">
+                        <a:effectLst/>
+                      </a:endParaRPr>
+                    </a:p>
+                  </a:txBody>
+                  <a:tcPr anchor="ctr">
+                    <a:lnL w="7620" cap="flat" cmpd="sng" algn="ctr">
+                      <a:solidFill>
+                        <a:srgbClr val="000000"/>
+                      </a:solidFill>
+                      <a:prstDash val="solid"/>
+                      <a:round/>
+                      <a:headEnd type="none" w="med" len="med"/>
+                      <a:tailEnd type="none" w="med" len="med"/>
+                    </a:lnL>
+                    <a:lnR w="7620" cap="flat" cmpd="sng" algn="ctr">
+                      <a:solidFill>
+                        <a:srgbClr val="000000"/>
+                      </a:solidFill>
+                      <a:prstDash val="solid"/>
+                      <a:round/>
+                      <a:headEnd type="none" w="med" len="med"/>
+                      <a:tailEnd type="none" w="med" len="med"/>
+                    </a:lnR>
+                    <a:lnT w="7620" cap="flat" cmpd="sng" algn="ctr">
+                      <a:solidFill>
+                        <a:srgbClr val="000000"/>
+                      </a:solidFill>
+                      <a:prstDash val="solid"/>
+                      <a:round/>
+                      <a:headEnd type="none" w="med" len="med"/>
+                      <a:tailEnd type="none" w="med" len="med"/>
+                    </a:lnT>
+                    <a:lnB w="7620" cap="flat" cmpd="sng" algn="ctr">
+                      <a:solidFill>
+                        <a:srgbClr val="000000"/>
+                      </a:solidFill>
+                      <a:prstDash val="solid"/>
+                      <a:round/>
+                      <a:headEnd type="none" w="med" len="med"/>
+                      <a:tailEnd type="none" w="med" len="med"/>
+                    </a:lnB>
+                    <a:noFill/>
+                  </a:tcPr>
+                </a:tc>
+                <a:extLst>
+                  <a:ext uri="{0D108BD9-81ED-4DB2-BD59-A6C34878D82A}">
+                    <a16:rowId xmlns:a16="http://schemas.microsoft.com/office/drawing/2014/main" val="1953836361"/>
+                  </a:ext>
+                </a:extLst>
+              </a:tr>
+              <a:tr h="0">
+                <a:tc>
+                  <a:txBody>
+                    <a:bodyPr/>
+                    <a:lstStyle/>
+                    <a:p>
+                      <a:pPr algn="ctr" rtl="0">
+                        <a:buNone/>
+                      </a:pPr>
+                      <a:r>
+                        <a:rPr lang="en-IN" b="1" i="0">
+                          <a:solidFill>
+                            <a:srgbClr val="000000"/>
+                          </a:solidFill>
+                          <a:effectLst/>
+                        </a:rPr>
+                        <a:t>ClimbSpeed</a:t>
+                      </a:r>
+                      <a:endParaRPr lang="en-IN">
+                        <a:effectLst/>
+                      </a:endParaRPr>
+                    </a:p>
+                  </a:txBody>
+                  <a:tcPr anchor="ctr">
+                    <a:lnL w="7620" cap="flat" cmpd="sng" algn="ctr">
+                      <a:solidFill>
+                        <a:srgbClr val="000000"/>
+                      </a:solidFill>
+                      <a:prstDash val="solid"/>
+                      <a:round/>
+                      <a:headEnd type="none" w="med" len="med"/>
+                      <a:tailEnd type="none" w="med" len="med"/>
+                    </a:lnL>
+                    <a:lnR w="7620" cap="flat" cmpd="sng" algn="ctr">
+                      <a:solidFill>
+                        <a:srgbClr val="000000"/>
+                      </a:solidFill>
+                      <a:prstDash val="solid"/>
+                      <a:round/>
+                      <a:headEnd type="none" w="med" len="med"/>
+                      <a:tailEnd type="none" w="med" len="med"/>
+                    </a:lnR>
+                    <a:lnT w="7620" cap="flat" cmpd="sng" algn="ctr">
+                      <a:solidFill>
+                        <a:srgbClr val="000000"/>
+                      </a:solidFill>
+                      <a:prstDash val="solid"/>
+                      <a:round/>
+                      <a:headEnd type="none" w="med" len="med"/>
+                      <a:tailEnd type="none" w="med" len="med"/>
+                    </a:lnT>
+                    <a:lnB w="7620" cap="flat" cmpd="sng" algn="ctr">
+                      <a:solidFill>
+                        <a:srgbClr val="000000"/>
+                      </a:solidFill>
+                      <a:prstDash val="solid"/>
+                      <a:round/>
+                      <a:headEnd type="none" w="med" len="med"/>
+                      <a:tailEnd type="none" w="med" len="med"/>
+                    </a:lnB>
+                    <a:noFill/>
+                  </a:tcPr>
+                </a:tc>
+                <a:tc>
+                  <a:txBody>
+                    <a:bodyPr/>
+                    <a:lstStyle/>
+                    <a:p>
+                      <a:pPr algn="ctr" rtl="0">
+                        <a:buNone/>
+                      </a:pPr>
+                      <a:r>
+                        <a:rPr lang="en-IN" b="1" i="0">
+                          <a:solidFill>
+                            <a:srgbClr val="000000"/>
+                          </a:solidFill>
+                          <a:effectLst/>
+                        </a:rPr>
+                        <a:t>0.76 m/s</a:t>
+                      </a:r>
+                      <a:endParaRPr lang="en-IN">
+                        <a:effectLst/>
+                      </a:endParaRPr>
+                    </a:p>
+                  </a:txBody>
+                  <a:tcPr anchor="ctr">
+                    <a:lnL w="7620" cap="flat" cmpd="sng" algn="ctr">
+                      <a:solidFill>
+                        <a:srgbClr val="000000"/>
+                      </a:solidFill>
+                      <a:prstDash val="solid"/>
+                      <a:round/>
+                      <a:headEnd type="none" w="med" len="med"/>
+                      <a:tailEnd type="none" w="med" len="med"/>
+                    </a:lnL>
+                    <a:lnR w="7620" cap="flat" cmpd="sng" algn="ctr">
+                      <a:solidFill>
+                        <a:srgbClr val="000000"/>
+                      </a:solidFill>
+                      <a:prstDash val="solid"/>
+                      <a:round/>
+                      <a:headEnd type="none" w="med" len="med"/>
+                      <a:tailEnd type="none" w="med" len="med"/>
+                    </a:lnR>
+                    <a:lnT w="7620" cap="flat" cmpd="sng" algn="ctr">
+                      <a:solidFill>
+                        <a:srgbClr val="000000"/>
+                      </a:solidFill>
+                      <a:prstDash val="solid"/>
+                      <a:round/>
+                      <a:headEnd type="none" w="med" len="med"/>
+                      <a:tailEnd type="none" w="med" len="med"/>
+                    </a:lnT>
+                    <a:lnB w="7620" cap="flat" cmpd="sng" algn="ctr">
+                      <a:solidFill>
+                        <a:srgbClr val="000000"/>
+                      </a:solidFill>
+                      <a:prstDash val="solid"/>
+                      <a:round/>
+                      <a:headEnd type="none" w="med" len="med"/>
+                      <a:tailEnd type="none" w="med" len="med"/>
+                    </a:lnB>
+                    <a:noFill/>
+                  </a:tcPr>
+                </a:tc>
+                <a:tc>
+                  <a:txBody>
+                    <a:bodyPr/>
+                    <a:lstStyle/>
+                    <a:p>
+                      <a:pPr algn="ctr" rtl="0">
+                        <a:buNone/>
+                      </a:pPr>
+                      <a:r>
+                        <a:rPr lang="en-IN" b="1" i="0" dirty="0" err="1">
+                          <a:solidFill>
+                            <a:srgbClr val="000000"/>
+                          </a:solidFill>
+                          <a:effectLst/>
+                        </a:rPr>
+                        <a:t>PowerLoading</a:t>
+                      </a:r>
+                      <a:endParaRPr lang="en-IN" dirty="0">
+                        <a:effectLst/>
+                      </a:endParaRPr>
+                    </a:p>
+                  </a:txBody>
+                  <a:tcPr anchor="ctr">
+                    <a:lnL w="7620" cap="flat" cmpd="sng" algn="ctr">
+                      <a:solidFill>
+                        <a:srgbClr val="000000"/>
+                      </a:solidFill>
+                      <a:prstDash val="solid"/>
+                      <a:round/>
+                      <a:headEnd type="none" w="med" len="med"/>
+                      <a:tailEnd type="none" w="med" len="med"/>
+                    </a:lnL>
+                    <a:lnR w="7620" cap="flat" cmpd="sng" algn="ctr">
+                      <a:solidFill>
+                        <a:srgbClr val="000000"/>
+                      </a:solidFill>
+                      <a:prstDash val="solid"/>
+                      <a:round/>
+                      <a:headEnd type="none" w="med" len="med"/>
+                      <a:tailEnd type="none" w="med" len="med"/>
+                    </a:lnR>
+                    <a:lnT w="7620" cap="flat" cmpd="sng" algn="ctr">
+                      <a:solidFill>
+                        <a:srgbClr val="000000"/>
+                      </a:solidFill>
+                      <a:prstDash val="solid"/>
+                      <a:round/>
+                      <a:headEnd type="none" w="med" len="med"/>
+                      <a:tailEnd type="none" w="med" len="med"/>
+                    </a:lnT>
+                    <a:lnB w="7620" cap="flat" cmpd="sng" algn="ctr">
+                      <a:solidFill>
+                        <a:srgbClr val="000000"/>
+                      </a:solidFill>
+                      <a:prstDash val="solid"/>
+                      <a:round/>
+                      <a:headEnd type="none" w="med" len="med"/>
+                      <a:tailEnd type="none" w="med" len="med"/>
+                    </a:lnB>
+                    <a:noFill/>
+                  </a:tcPr>
+                </a:tc>
+                <a:tc>
+                  <a:txBody>
+                    <a:bodyPr/>
+                    <a:lstStyle/>
+                    <a:p>
+                      <a:pPr algn="ctr" rtl="0">
+                        <a:buNone/>
+                      </a:pPr>
+                      <a:r>
+                        <a:rPr lang="en-IN" b="1" i="0">
+                          <a:solidFill>
+                            <a:srgbClr val="000000"/>
+                          </a:solidFill>
+                          <a:effectLst/>
+                        </a:rPr>
+                        <a:t>0.029</a:t>
+                      </a:r>
+                      <a:endParaRPr lang="en-IN">
+                        <a:effectLst/>
+                      </a:endParaRPr>
+                    </a:p>
+                  </a:txBody>
+                  <a:tcPr anchor="ctr">
+                    <a:lnL w="7620" cap="flat" cmpd="sng" algn="ctr">
+                      <a:solidFill>
+                        <a:srgbClr val="000000"/>
+                      </a:solidFill>
+                      <a:prstDash val="solid"/>
+                      <a:round/>
+                      <a:headEnd type="none" w="med" len="med"/>
+                      <a:tailEnd type="none" w="med" len="med"/>
+                    </a:lnL>
+                    <a:lnR w="7620" cap="flat" cmpd="sng" algn="ctr">
+                      <a:solidFill>
+                        <a:srgbClr val="000000"/>
+                      </a:solidFill>
+                      <a:prstDash val="solid"/>
+                      <a:round/>
+                      <a:headEnd type="none" w="med" len="med"/>
+                      <a:tailEnd type="none" w="med" len="med"/>
+                    </a:lnR>
+                    <a:lnT w="7620" cap="flat" cmpd="sng" algn="ctr">
+                      <a:solidFill>
+                        <a:srgbClr val="000000"/>
+                      </a:solidFill>
+                      <a:prstDash val="solid"/>
+                      <a:round/>
+                      <a:headEnd type="none" w="med" len="med"/>
+                      <a:tailEnd type="none" w="med" len="med"/>
+                    </a:lnT>
+                    <a:lnB w="7620" cap="flat" cmpd="sng" algn="ctr">
+                      <a:solidFill>
+                        <a:srgbClr val="000000"/>
+                      </a:solidFill>
+                      <a:prstDash val="solid"/>
+                      <a:round/>
+                      <a:headEnd type="none" w="med" len="med"/>
+                      <a:tailEnd type="none" w="med" len="med"/>
+                    </a:lnB>
+                    <a:noFill/>
+                  </a:tcPr>
+                </a:tc>
+                <a:extLst>
+                  <a:ext uri="{0D108BD9-81ED-4DB2-BD59-A6C34878D82A}">
+                    <a16:rowId xmlns:a16="http://schemas.microsoft.com/office/drawing/2014/main" val="1633531594"/>
+                  </a:ext>
+                </a:extLst>
+              </a:tr>
+              <a:tr h="0">
+                <a:tc>
+                  <a:txBody>
+                    <a:bodyPr/>
+                    <a:lstStyle/>
+                    <a:p>
+                      <a:pPr algn="ctr" rtl="0">
+                        <a:buNone/>
+                      </a:pPr>
+                      <a:r>
+                        <a:rPr lang="en-IN" b="1" i="0" dirty="0" err="1">
+                          <a:solidFill>
+                            <a:srgbClr val="FF0000"/>
+                          </a:solidFill>
+                          <a:effectLst/>
+                        </a:rPr>
+                        <a:t>CruiseVelocity</a:t>
+                      </a:r>
+                      <a:endParaRPr lang="en-IN" dirty="0">
+                        <a:solidFill>
+                          <a:srgbClr val="FF0000"/>
+                        </a:solidFill>
+                        <a:effectLst/>
+                      </a:endParaRPr>
+                    </a:p>
+                  </a:txBody>
+                  <a:tcPr anchor="ctr">
+                    <a:lnL w="7620" cap="flat" cmpd="sng" algn="ctr">
+                      <a:solidFill>
+                        <a:srgbClr val="000000"/>
+                      </a:solidFill>
+                      <a:prstDash val="solid"/>
+                      <a:round/>
+                      <a:headEnd type="none" w="med" len="med"/>
+                      <a:tailEnd type="none" w="med" len="med"/>
+                    </a:lnL>
+                    <a:lnR w="7620" cap="flat" cmpd="sng" algn="ctr">
+                      <a:solidFill>
+                        <a:srgbClr val="000000"/>
+                      </a:solidFill>
+                      <a:prstDash val="solid"/>
+                      <a:round/>
+                      <a:headEnd type="none" w="med" len="med"/>
+                      <a:tailEnd type="none" w="med" len="med"/>
+                    </a:lnR>
+                    <a:lnT w="7620" cap="flat" cmpd="sng" algn="ctr">
+                      <a:solidFill>
+                        <a:srgbClr val="000000"/>
+                      </a:solidFill>
+                      <a:prstDash val="solid"/>
+                      <a:round/>
+                      <a:headEnd type="none" w="med" len="med"/>
+                      <a:tailEnd type="none" w="med" len="med"/>
+                    </a:lnT>
+                    <a:lnB w="7620" cap="flat" cmpd="sng" algn="ctr">
+                      <a:solidFill>
+                        <a:srgbClr val="000000"/>
+                      </a:solidFill>
+                      <a:prstDash val="solid"/>
+                      <a:round/>
+                      <a:headEnd type="none" w="med" len="med"/>
+                      <a:tailEnd type="none" w="med" len="med"/>
+                    </a:lnB>
+                    <a:noFill/>
+                  </a:tcPr>
+                </a:tc>
+                <a:tc>
+                  <a:txBody>
+                    <a:bodyPr/>
+                    <a:lstStyle/>
+                    <a:p>
+                      <a:pPr algn="ctr" rtl="0">
+                        <a:buNone/>
+                      </a:pPr>
+                      <a:r>
+                        <a:rPr lang="en-IN" b="1" i="0">
+                          <a:solidFill>
+                            <a:srgbClr val="000000"/>
+                          </a:solidFill>
+                          <a:effectLst/>
+                        </a:rPr>
+                        <a:t>40 m/s</a:t>
+                      </a:r>
+                      <a:endParaRPr lang="en-IN">
+                        <a:effectLst/>
+                      </a:endParaRPr>
+                    </a:p>
+                  </a:txBody>
+                  <a:tcPr anchor="ctr">
+                    <a:lnL w="7620" cap="flat" cmpd="sng" algn="ctr">
+                      <a:solidFill>
+                        <a:srgbClr val="000000"/>
+                      </a:solidFill>
+                      <a:prstDash val="solid"/>
+                      <a:round/>
+                      <a:headEnd type="none" w="med" len="med"/>
+                      <a:tailEnd type="none" w="med" len="med"/>
+                    </a:lnL>
+                    <a:lnR w="7620" cap="flat" cmpd="sng" algn="ctr">
+                      <a:solidFill>
+                        <a:srgbClr val="000000"/>
+                      </a:solidFill>
+                      <a:prstDash val="solid"/>
+                      <a:round/>
+                      <a:headEnd type="none" w="med" len="med"/>
+                      <a:tailEnd type="none" w="med" len="med"/>
+                    </a:lnR>
+                    <a:lnT w="7620" cap="flat" cmpd="sng" algn="ctr">
+                      <a:solidFill>
+                        <a:srgbClr val="000000"/>
+                      </a:solidFill>
+                      <a:prstDash val="solid"/>
+                      <a:round/>
+                      <a:headEnd type="none" w="med" len="med"/>
+                      <a:tailEnd type="none" w="med" len="med"/>
+                    </a:lnT>
+                    <a:lnB w="7620" cap="flat" cmpd="sng" algn="ctr">
+                      <a:solidFill>
+                        <a:srgbClr val="000000"/>
+                      </a:solidFill>
+                      <a:prstDash val="solid"/>
+                      <a:round/>
+                      <a:headEnd type="none" w="med" len="med"/>
+                      <a:tailEnd type="none" w="med" len="med"/>
+                    </a:lnB>
+                    <a:noFill/>
+                  </a:tcPr>
+                </a:tc>
+                <a:tc>
+                  <a:txBody>
+                    <a:bodyPr/>
+                    <a:lstStyle/>
+                    <a:p>
+                      <a:pPr algn="ctr" rtl="0">
+                        <a:buNone/>
+                      </a:pPr>
+                      <a:r>
+                        <a:rPr lang="en-IN" b="1" i="0">
+                          <a:solidFill>
+                            <a:srgbClr val="000000"/>
+                          </a:solidFill>
+                          <a:effectLst/>
+                        </a:rPr>
+                        <a:t>DiskLoading</a:t>
+                      </a:r>
+                      <a:endParaRPr lang="en-IN">
+                        <a:effectLst/>
+                      </a:endParaRPr>
+                    </a:p>
+                  </a:txBody>
+                  <a:tcPr anchor="ctr">
+                    <a:lnL w="7620" cap="flat" cmpd="sng" algn="ctr">
+                      <a:solidFill>
+                        <a:srgbClr val="000000"/>
+                      </a:solidFill>
+                      <a:prstDash val="solid"/>
+                      <a:round/>
+                      <a:headEnd type="none" w="med" len="med"/>
+                      <a:tailEnd type="none" w="med" len="med"/>
+                    </a:lnL>
+                    <a:lnR w="7620" cap="flat" cmpd="sng" algn="ctr">
+                      <a:solidFill>
+                        <a:srgbClr val="000000"/>
+                      </a:solidFill>
+                      <a:prstDash val="solid"/>
+                      <a:round/>
+                      <a:headEnd type="none" w="med" len="med"/>
+                      <a:tailEnd type="none" w="med" len="med"/>
+                    </a:lnR>
+                    <a:lnT w="7620" cap="flat" cmpd="sng" algn="ctr">
+                      <a:solidFill>
+                        <a:srgbClr val="000000"/>
+                      </a:solidFill>
+                      <a:prstDash val="solid"/>
+                      <a:round/>
+                      <a:headEnd type="none" w="med" len="med"/>
+                      <a:tailEnd type="none" w="med" len="med"/>
+                    </a:lnT>
+                    <a:lnB w="7620" cap="flat" cmpd="sng" algn="ctr">
+                      <a:solidFill>
+                        <a:srgbClr val="000000"/>
+                      </a:solidFill>
+                      <a:prstDash val="solid"/>
+                      <a:round/>
+                      <a:headEnd type="none" w="med" len="med"/>
+                      <a:tailEnd type="none" w="med" len="med"/>
+                    </a:lnB>
+                    <a:noFill/>
+                  </a:tcPr>
+                </a:tc>
+                <a:tc>
+                  <a:txBody>
+                    <a:bodyPr/>
+                    <a:lstStyle/>
+                    <a:p>
+                      <a:pPr algn="ctr" rtl="0">
+                        <a:buNone/>
+                      </a:pPr>
+                      <a:r>
+                        <a:rPr lang="en-IN" b="1" i="0" dirty="0">
+                          <a:solidFill>
+                            <a:srgbClr val="000000"/>
+                          </a:solidFill>
+                          <a:effectLst/>
+                        </a:rPr>
+                        <a:t>&lt;140 N/m^2</a:t>
+                      </a:r>
+                      <a:endParaRPr lang="en-IN" dirty="0">
+                        <a:effectLst/>
+                      </a:endParaRPr>
+                    </a:p>
+                  </a:txBody>
+                  <a:tcPr anchor="ctr">
+                    <a:lnL w="7620" cap="flat" cmpd="sng" algn="ctr">
+                      <a:solidFill>
+                        <a:srgbClr val="000000"/>
+                      </a:solidFill>
+                      <a:prstDash val="solid"/>
+                      <a:round/>
+                      <a:headEnd type="none" w="med" len="med"/>
+                      <a:tailEnd type="none" w="med" len="med"/>
+                    </a:lnL>
+                    <a:lnR w="7620" cap="flat" cmpd="sng" algn="ctr">
+                      <a:solidFill>
+                        <a:srgbClr val="000000"/>
+                      </a:solidFill>
+                      <a:prstDash val="solid"/>
+                      <a:round/>
+                      <a:headEnd type="none" w="med" len="med"/>
+                      <a:tailEnd type="none" w="med" len="med"/>
+                    </a:lnR>
+                    <a:lnT w="7620" cap="flat" cmpd="sng" algn="ctr">
+                      <a:solidFill>
+                        <a:srgbClr val="000000"/>
+                      </a:solidFill>
+                      <a:prstDash val="solid"/>
+                      <a:round/>
+                      <a:headEnd type="none" w="med" len="med"/>
+                      <a:tailEnd type="none" w="med" len="med"/>
+                    </a:lnT>
+                    <a:lnB w="7620" cap="flat" cmpd="sng" algn="ctr">
+                      <a:solidFill>
+                        <a:srgbClr val="000000"/>
+                      </a:solidFill>
+                      <a:prstDash val="solid"/>
+                      <a:round/>
+                      <a:headEnd type="none" w="med" len="med"/>
+                      <a:tailEnd type="none" w="med" len="med"/>
+                    </a:lnB>
+                    <a:noFill/>
+                  </a:tcPr>
+                </a:tc>
+                <a:extLst>
+                  <a:ext uri="{0D108BD9-81ED-4DB2-BD59-A6C34878D82A}">
+                    <a16:rowId xmlns:a16="http://schemas.microsoft.com/office/drawing/2014/main" val="3019177141"/>
+                  </a:ext>
+                </a:extLst>
+              </a:tr>
+              <a:tr h="0">
+                <a:tc>
+                  <a:txBody>
+                    <a:bodyPr/>
+                    <a:lstStyle/>
+                    <a:p>
+                      <a:pPr algn="ctr" rtl="0">
+                        <a:buNone/>
+                      </a:pPr>
+                      <a:r>
+                        <a:rPr lang="en-US" b="1" i="0" dirty="0">
+                          <a:solidFill>
+                            <a:srgbClr val="FF0000"/>
+                          </a:solidFill>
+                          <a:effectLst/>
+                        </a:rPr>
+                        <a:t>T9 time to be </a:t>
+                      </a:r>
+                      <a:r>
+                        <a:rPr lang="en-US" b="1" i="0" dirty="0" err="1">
+                          <a:solidFill>
+                            <a:srgbClr val="FF0000"/>
+                          </a:solidFill>
+                          <a:effectLst/>
+                        </a:rPr>
+                        <a:t>maximised</a:t>
+                      </a:r>
+                      <a:r>
+                        <a:rPr lang="en-US" b="1" i="0" dirty="0">
+                          <a:solidFill>
+                            <a:srgbClr val="FF0000"/>
+                          </a:solidFill>
+                          <a:effectLst/>
+                        </a:rPr>
+                        <a:t> for loiter</a:t>
+                      </a:r>
+                      <a:endParaRPr lang="en-US" dirty="0">
+                        <a:solidFill>
+                          <a:srgbClr val="FF0000"/>
+                        </a:solidFill>
+                        <a:effectLst/>
+                      </a:endParaRPr>
+                    </a:p>
+                  </a:txBody>
+                  <a:tcPr anchor="ctr">
+                    <a:lnL w="7620" cap="flat" cmpd="sng" algn="ctr">
+                      <a:solidFill>
+                        <a:srgbClr val="000000"/>
+                      </a:solidFill>
+                      <a:prstDash val="solid"/>
+                      <a:round/>
+                      <a:headEnd type="none" w="med" len="med"/>
+                      <a:tailEnd type="none" w="med" len="med"/>
+                    </a:lnL>
+                    <a:lnR w="7620" cap="flat" cmpd="sng" algn="ctr">
+                      <a:solidFill>
+                        <a:srgbClr val="000000"/>
+                      </a:solidFill>
+                      <a:prstDash val="solid"/>
+                      <a:round/>
+                      <a:headEnd type="none" w="med" len="med"/>
+                      <a:tailEnd type="none" w="med" len="med"/>
+                    </a:lnR>
+                    <a:lnT w="7620" cap="flat" cmpd="sng" algn="ctr">
+                      <a:solidFill>
+                        <a:srgbClr val="000000"/>
+                      </a:solidFill>
+                      <a:prstDash val="solid"/>
+                      <a:round/>
+                      <a:headEnd type="none" w="med" len="med"/>
+                      <a:tailEnd type="none" w="med" len="med"/>
+                    </a:lnT>
+                    <a:lnB w="7620" cap="flat" cmpd="sng" algn="ctr">
+                      <a:solidFill>
+                        <a:srgbClr val="000000"/>
+                      </a:solidFill>
+                      <a:prstDash val="solid"/>
+                      <a:round/>
+                      <a:headEnd type="none" w="med" len="med"/>
+                      <a:tailEnd type="none" w="med" len="med"/>
+                    </a:lnB>
+                    <a:noFill/>
+                  </a:tcPr>
+                </a:tc>
+                <a:tc>
+                  <a:txBody>
+                    <a:bodyPr/>
+                    <a:lstStyle/>
+                    <a:p>
+                      <a:pPr algn="ctr" rtl="0">
+                        <a:buNone/>
+                      </a:pPr>
+                      <a:r>
+                        <a:rPr lang="en-IN" b="1" i="0" dirty="0">
+                          <a:solidFill>
+                            <a:srgbClr val="000000"/>
+                          </a:solidFill>
+                          <a:effectLst/>
+                        </a:rPr>
+                        <a:t>0.5 Hours</a:t>
+                      </a:r>
+                      <a:endParaRPr lang="en-IN" dirty="0">
+                        <a:effectLst/>
+                      </a:endParaRPr>
+                    </a:p>
+                  </a:txBody>
+                  <a:tcPr anchor="ctr">
+                    <a:lnL w="7620" cap="flat" cmpd="sng" algn="ctr">
+                      <a:solidFill>
+                        <a:srgbClr val="000000"/>
+                      </a:solidFill>
+                      <a:prstDash val="solid"/>
+                      <a:round/>
+                      <a:headEnd type="none" w="med" len="med"/>
+                      <a:tailEnd type="none" w="med" len="med"/>
+                    </a:lnL>
+                    <a:lnR w="7620" cap="flat" cmpd="sng" algn="ctr">
+                      <a:solidFill>
+                        <a:srgbClr val="000000"/>
+                      </a:solidFill>
+                      <a:prstDash val="solid"/>
+                      <a:round/>
+                      <a:headEnd type="none" w="med" len="med"/>
+                      <a:tailEnd type="none" w="med" len="med"/>
+                    </a:lnR>
+                    <a:lnT w="7620" cap="flat" cmpd="sng" algn="ctr">
+                      <a:solidFill>
+                        <a:srgbClr val="000000"/>
+                      </a:solidFill>
+                      <a:prstDash val="solid"/>
+                      <a:round/>
+                      <a:headEnd type="none" w="med" len="med"/>
+                      <a:tailEnd type="none" w="med" len="med"/>
+                    </a:lnT>
+                    <a:lnB w="7620" cap="flat" cmpd="sng" algn="ctr">
+                      <a:solidFill>
+                        <a:srgbClr val="000000"/>
+                      </a:solidFill>
+                      <a:prstDash val="solid"/>
+                      <a:round/>
+                      <a:headEnd type="none" w="med" len="med"/>
+                      <a:tailEnd type="none" w="med" len="med"/>
+                    </a:lnB>
+                    <a:noFill/>
+                  </a:tcPr>
+                </a:tc>
+                <a:tc>
+                  <a:txBody>
+                    <a:bodyPr/>
+                    <a:lstStyle/>
+                    <a:p>
+                      <a:pPr algn="ctr" rtl="0">
+                        <a:buNone/>
+                      </a:pPr>
+                      <a:r>
+                        <a:rPr lang="en-IN" b="1" i="0" dirty="0" err="1">
+                          <a:solidFill>
+                            <a:srgbClr val="000000"/>
+                          </a:solidFill>
+                          <a:effectLst/>
+                        </a:rPr>
+                        <a:t>AspectRatio</a:t>
+                      </a:r>
+                      <a:endParaRPr lang="en-IN" dirty="0">
+                        <a:effectLst/>
+                      </a:endParaRPr>
+                    </a:p>
+                  </a:txBody>
+                  <a:tcPr anchor="ctr">
+                    <a:lnL w="7620" cap="flat" cmpd="sng" algn="ctr">
+                      <a:solidFill>
+                        <a:srgbClr val="000000"/>
+                      </a:solidFill>
+                      <a:prstDash val="solid"/>
+                      <a:round/>
+                      <a:headEnd type="none" w="med" len="med"/>
+                      <a:tailEnd type="none" w="med" len="med"/>
+                    </a:lnL>
+                    <a:lnR w="7620" cap="flat" cmpd="sng" algn="ctr">
+                      <a:solidFill>
+                        <a:srgbClr val="000000"/>
+                      </a:solidFill>
+                      <a:prstDash val="solid"/>
+                      <a:round/>
+                      <a:headEnd type="none" w="med" len="med"/>
+                      <a:tailEnd type="none" w="med" len="med"/>
+                    </a:lnR>
+                    <a:lnT w="7620" cap="flat" cmpd="sng" algn="ctr">
+                      <a:solidFill>
+                        <a:srgbClr val="000000"/>
+                      </a:solidFill>
+                      <a:prstDash val="solid"/>
+                      <a:round/>
+                      <a:headEnd type="none" w="med" len="med"/>
+                      <a:tailEnd type="none" w="med" len="med"/>
+                    </a:lnT>
+                    <a:lnB w="7620" cap="flat" cmpd="sng" algn="ctr">
+                      <a:solidFill>
+                        <a:srgbClr val="000000"/>
+                      </a:solidFill>
+                      <a:prstDash val="solid"/>
+                      <a:round/>
+                      <a:headEnd type="none" w="med" len="med"/>
+                      <a:tailEnd type="none" w="med" len="med"/>
+                    </a:lnB>
+                    <a:noFill/>
+                  </a:tcPr>
+                </a:tc>
+                <a:tc>
+                  <a:txBody>
+                    <a:bodyPr/>
+                    <a:lstStyle/>
+                    <a:p>
+                      <a:pPr algn="ctr" rtl="0">
+                        <a:buNone/>
+                      </a:pPr>
+                      <a:r>
+                        <a:rPr lang="en-IN" b="1" i="0" dirty="0">
+                          <a:solidFill>
+                            <a:srgbClr val="000000"/>
+                          </a:solidFill>
+                          <a:effectLst/>
+                        </a:rPr>
+                        <a:t>~10-12</a:t>
+                      </a:r>
+                      <a:endParaRPr lang="en-IN" dirty="0">
+                        <a:effectLst/>
+                      </a:endParaRPr>
+                    </a:p>
+                  </a:txBody>
+                  <a:tcPr anchor="ctr">
+                    <a:lnL w="7620" cap="flat" cmpd="sng" algn="ctr">
+                      <a:solidFill>
+                        <a:srgbClr val="000000"/>
+                      </a:solidFill>
+                      <a:prstDash val="solid"/>
+                      <a:round/>
+                      <a:headEnd type="none" w="med" len="med"/>
+                      <a:tailEnd type="none" w="med" len="med"/>
+                    </a:lnL>
+                    <a:lnR w="7620" cap="flat" cmpd="sng" algn="ctr">
+                      <a:solidFill>
+                        <a:srgbClr val="000000"/>
+                      </a:solidFill>
+                      <a:prstDash val="solid"/>
+                      <a:round/>
+                      <a:headEnd type="none" w="med" len="med"/>
+                      <a:tailEnd type="none" w="med" len="med"/>
+                    </a:lnR>
+                    <a:lnT w="7620" cap="flat" cmpd="sng" algn="ctr">
+                      <a:solidFill>
+                        <a:srgbClr val="000000"/>
+                      </a:solidFill>
+                      <a:prstDash val="solid"/>
+                      <a:round/>
+                      <a:headEnd type="none" w="med" len="med"/>
+                      <a:tailEnd type="none" w="med" len="med"/>
+                    </a:lnT>
+                    <a:lnB w="7620" cap="flat" cmpd="sng" algn="ctr">
+                      <a:solidFill>
+                        <a:srgbClr val="000000"/>
+                      </a:solidFill>
+                      <a:prstDash val="solid"/>
+                      <a:round/>
+                      <a:headEnd type="none" w="med" len="med"/>
+                      <a:tailEnd type="none" w="med" len="med"/>
+                    </a:lnB>
+                    <a:noFill/>
+                  </a:tcPr>
+                </a:tc>
+                <a:extLst>
+                  <a:ext uri="{0D108BD9-81ED-4DB2-BD59-A6C34878D82A}">
+                    <a16:rowId xmlns:a16="http://schemas.microsoft.com/office/drawing/2014/main" val="1922138702"/>
+                  </a:ext>
+                </a:extLst>
+              </a:tr>
+            </a:tbl>
+          </a:graphicData>
+        </a:graphic>
+      </p:graphicFrame>
+      <p:sp>
+        <p:nvSpPr>
+          <p:cNvPr id="4" name="Rectangle 1">
+            <a:extLst>
+              <a:ext uri="{FF2B5EF4-FFF2-40B4-BE49-F238E27FC236}">
+                <a16:creationId xmlns:a16="http://schemas.microsoft.com/office/drawing/2014/main" id="{24E25E65-2D03-D5E3-465C-28E0DC3E2699}"/>
+              </a:ext>
+            </a:extLst>
+          </p:cNvPr>
+          <p:cNvSpPr>
+            <a:spLocks noChangeArrowheads="1"/>
+          </p:cNvSpPr>
+          <p:nvPr/>
+        </p:nvSpPr>
+        <p:spPr bwMode="auto">
+          <a:xfrm>
+            <a:off x="3952713" y="1096963"/>
+            <a:ext cx="12192000" cy="0"/>
+          </a:xfrm>
+          <a:prstGeom prst="rect">
+            <a:avLst/>
+          </a:prstGeom>
+          <a:noFill/>
+          <a:ln>
+            <a:noFill/>
+          </a:ln>
+          <a:effectLst/>
+          <a:extLst>
+            <a:ext uri="{909E8E84-426E-40DD-AFC4-6F175D3DCCD1}">
+              <a14:hiddenFill xmlns:a14="http://schemas.microsoft.com/office/drawing/2010/main">
+                <a:solidFill>
+                  <a:schemeClr val="accent1"/>
+                </a:solidFill>
+              </a14:hiddenFill>
+            </a:ext>
+            <a:ext uri="{91240B29-F687-4F45-9708-019B960494DF}">
+              <a14:hiddenLine xmlns:a14="http://schemas.microsoft.com/office/drawing/2010/main" w="9525">
+                <a:solidFill>
+                  <a:schemeClr val="tx1"/>
+                </a:solidFill>
+                <a:miter lim="800000"/>
+                <a:headEnd/>
+                <a:tailEnd/>
+              </a14:hiddenLine>
+            </a:ext>
+            <a:ext uri="{AF507438-7753-43E0-B8FC-AC1667EBCBE1}">
+              <a14:hiddenEffects xmlns:a14="http://schemas.microsoft.com/office/drawing/2010/main">
+                <a:effectLst>
+                  <a:outerShdw dist="35921" dir="2700000" algn="ctr" rotWithShape="0">
+                    <a:schemeClr val="bg2"/>
+                  </a:outerShdw>
+                </a:effectLst>
+              </a14:hiddenEffects>
+            </a:ext>
+          </a:extLst>
+        </p:spPr>
+        <p:txBody>
+          <a:bodyPr vert="horz" wrap="none" lIns="91440" tIns="45720" rIns="91440" bIns="45720" numCol="1" anchor="ctr" anchorCtr="0" compatLnSpc="1">
+            <a:prstTxWarp prst="textNoShape">
+              <a:avLst/>
+            </a:prstTxWarp>
+            <a:spAutoFit/>
+          </a:bodyPr>
+          <a:lstStyle/>
+          <a:p>
+            <a:endParaRPr lang="en-IN"/>
+          </a:p>
+        </p:txBody>
+      </p:sp>
+      <p:sp>
+        <p:nvSpPr>
+          <p:cNvPr id="6" name="TextBox 5">
+            <a:extLst>
+              <a:ext uri="{FF2B5EF4-FFF2-40B4-BE49-F238E27FC236}">
+                <a16:creationId xmlns:a16="http://schemas.microsoft.com/office/drawing/2014/main" id="{4BBE7771-794F-B58A-B7A3-0F788A9F3FCD}"/>
+              </a:ext>
+            </a:extLst>
+          </p:cNvPr>
+          <p:cNvSpPr txBox="1"/>
+          <p:nvPr/>
+        </p:nvSpPr>
+        <p:spPr>
+          <a:xfrm>
+            <a:off x="-1418253" y="2899101"/>
+            <a:ext cx="6102220" cy="584775"/>
+          </a:xfrm>
+          <a:prstGeom prst="rect">
+            <a:avLst/>
+          </a:prstGeom>
+          <a:noFill/>
+        </p:spPr>
+        <p:txBody>
+          <a:bodyPr wrap="square">
+            <a:spAutoFit/>
+          </a:bodyPr>
+          <a:lstStyle/>
+          <a:p>
+            <a:pPr algn="ctr" rtl="0"/>
+            <a:r>
+              <a:rPr lang="en-IN" sz="3200" b="1" i="0" dirty="0">
+                <a:solidFill>
+                  <a:srgbClr val="000000"/>
+                </a:solidFill>
+                <a:effectLst/>
+              </a:rPr>
+              <a:t>BEMT </a:t>
+            </a:r>
+            <a:r>
+              <a:rPr lang="en-IN" sz="3200" b="1" dirty="0">
+                <a:solidFill>
+                  <a:srgbClr val="000000"/>
+                </a:solidFill>
+              </a:rPr>
+              <a:t>PARAMS</a:t>
+            </a:r>
+            <a:endParaRPr lang="en-IN" sz="3200" dirty="0">
+              <a:effectLst/>
+            </a:endParaRPr>
+          </a:p>
+        </p:txBody>
+      </p:sp>
+    </p:spTree>
+    <p:extLst>
+      <p:ext uri="{BB962C8B-B14F-4D97-AF65-F5344CB8AC3E}">
+        <p14:creationId xmlns:p14="http://schemas.microsoft.com/office/powerpoint/2010/main" val="3566142916"/>
+      </p:ext>
+    </p:extLst>
+  </p:cSld>
+  <p:clrMapOvr>
+    <a:masterClrMapping/>
+  </p:clrMapOvr>
+</p:sld>
+</file>
+
+<file path=ppt/slides/slide9.xml><?xml version="1.0" encoding="utf-8"?>
+<p:sld xmlns:a="http://schemas.openxmlformats.org/drawingml/2006/main" xmlns:r="http://schemas.openxmlformats.org/officeDocument/2006/relationships" xmlns:p="http://schemas.openxmlformats.org/presentationml/2006/main">
+  <p:cSld>
+    <p:spTree>
+      <p:nvGrpSpPr>
+        <p:cNvPr id="1" name=""/>
+        <p:cNvGrpSpPr/>
+        <p:nvPr/>
+      </p:nvGrpSpPr>
+      <p:grpSpPr>
+        <a:xfrm>
+          <a:off x="0" y="0"/>
+          <a:ext cx="0" cy="0"/>
+          <a:chOff x="0" y="0"/>
+          <a:chExt cx="0" cy="0"/>
+        </a:xfrm>
+      </p:grpSpPr>
+      <p:pic>
+        <p:nvPicPr>
+          <p:cNvPr id="3" name="Picture 2">
+            <a:extLst>
+              <a:ext uri="{FF2B5EF4-FFF2-40B4-BE49-F238E27FC236}">
+                <a16:creationId xmlns:a16="http://schemas.microsoft.com/office/drawing/2014/main" id="{25E3F70B-8AF4-FBD4-6FB1-007F0F0E3B71}"/>
+              </a:ext>
+            </a:extLst>
+          </p:cNvPr>
+          <p:cNvPicPr>
+            <a:picLocks noChangeAspect="1"/>
+          </p:cNvPicPr>
+          <p:nvPr/>
+        </p:nvPicPr>
+        <p:blipFill>
+          <a:blip r:embed="rId2"/>
+          <a:stretch>
+            <a:fillRect/>
+          </a:stretch>
+        </p:blipFill>
+        <p:spPr>
+          <a:xfrm>
+            <a:off x="188685" y="0"/>
+            <a:ext cx="11814629" cy="6858000"/>
+          </a:xfrm>
+          <a:prstGeom prst="rect">
+            <a:avLst/>
+          </a:prstGeom>
+        </p:spPr>
+      </p:pic>
+    </p:spTree>
+    <p:extLst>
+      <p:ext uri="{BB962C8B-B14F-4D97-AF65-F5344CB8AC3E}">
+        <p14:creationId xmlns:p14="http://schemas.microsoft.com/office/powerpoint/2010/main" val="3034552800"/>
+      </p:ext>
+    </p:extLst>
+  </p:cSld>
+  <p:clrMapOvr>
+    <a:masterClrMapping/>
+  </p:clrMapOvr>
 </p:sld>
 </file>
 
